--- a/Sortari.pptx
+++ b/Sortari.pptx
@@ -107,6 +107,11 @@
       </a:defRPr>
     </a:lvl9pPr>
   </p:defaultTextStyle>
+  <p:extLst>
+    <p:ext uri="{EFAFB233-063F-42B5-8137-9DF3F51BA10A}">
+      <p15:sldGuideLst xmlns:p15="http://schemas.microsoft.com/office/powerpoint/2012/main"/>
+    </p:ext>
+  </p:extLst>
 </p:presentation>
 </file>
 
@@ -131,7 +136,7 @@
           <a:lstStyle/>
           <a:p>
             <a:pPr>
-              <a:defRPr sz="2200" b="0" i="0" u="none" strike="noStrike" kern="1200" cap="none" spc="50" baseline="0">
+              <a:defRPr sz="1862" b="0" i="0" u="none" strike="noStrike" kern="1200" spc="0" baseline="0">
                 <a:solidFill>
                   <a:schemeClr val="tx1">
                     <a:lumMod val="65000"/>
@@ -144,36 +149,8 @@
               </a:defRPr>
             </a:pPr>
             <a:r>
-              <a:rPr lang="en-US" dirty="0" err="1"/>
-              <a:t>Timpul</a:t>
-            </a:r>
-            <a:r>
-              <a:rPr lang="en-US" dirty="0"/>
-              <a:t> </a:t>
-            </a:r>
-            <a:r>
-              <a:rPr lang="en-US" dirty="0" err="1"/>
-              <a:t>este</a:t>
-            </a:r>
-            <a:r>
-              <a:rPr lang="en-US" dirty="0"/>
-              <a:t> </a:t>
-            </a:r>
-            <a:r>
-              <a:rPr lang="en-US" dirty="0" err="1"/>
-              <a:t>exprimat</a:t>
-            </a:r>
-            <a:r>
-              <a:rPr lang="en-US" dirty="0"/>
-              <a:t> in </a:t>
-            </a:r>
-            <a:r>
-              <a:rPr lang="en-US" dirty="0" err="1"/>
-              <a:t>secunde</a:t>
-            </a:r>
-            <a:r>
-              <a:rPr lang="en-US" dirty="0"/>
-              <a:t>.</a:t>
+              <a:rPr lang="en-US"/>
+              <a:t>Timpul este exprimat in secunde.</a:t>
             </a:r>
           </a:p>
         </c:rich>
@@ -199,7 +176,7 @@
         <a:lstStyle/>
         <a:p>
           <a:pPr>
-            <a:defRPr sz="2200" b="0" i="0" u="none" strike="noStrike" kern="1200" cap="none" spc="50" baseline="0">
+            <a:defRPr sz="1862" b="0" i="0" u="none" strike="noStrike" kern="1200" spc="0" baseline="0">
               <a:solidFill>
                 <a:schemeClr val="tx1">
                   <a:lumMod val="65000"/>
@@ -216,6 +193,45 @@
       </c:txPr>
     </c:title>
     <c:autoTitleDeleted val="0"/>
+    <c:view3D>
+      <c:rotX val="15"/>
+      <c:rotY val="20"/>
+      <c:depthPercent val="100"/>
+      <c:rAngAx val="1"/>
+    </c:view3D>
+    <c:floor>
+      <c:thickness val="0"/>
+      <c:spPr>
+        <a:noFill/>
+        <a:ln>
+          <a:noFill/>
+        </a:ln>
+        <a:effectLst/>
+        <a:sp3d/>
+      </c:spPr>
+    </c:floor>
+    <c:sideWall>
+      <c:thickness val="0"/>
+      <c:spPr>
+        <a:noFill/>
+        <a:ln>
+          <a:noFill/>
+        </a:ln>
+        <a:effectLst/>
+        <a:sp3d/>
+      </c:spPr>
+    </c:sideWall>
+    <c:backWall>
+      <c:thickness val="0"/>
+      <c:spPr>
+        <a:noFill/>
+        <a:ln>
+          <a:noFill/>
+        </a:ln>
+        <a:effectLst/>
+        <a:sp3d/>
+      </c:spPr>
+    </c:backWall>
     <c:plotArea>
       <c:layout>
         <c:manualLayout>
@@ -228,9 +244,9 @@
           <c:h val="0.69448454705196427"/>
         </c:manualLayout>
       </c:layout>
-      <c:barChart>
+      <c:bar3DChart>
         <c:barDir val="col"/>
-        <c:grouping val="clustered"/>
+        <c:grouping val="standard"/>
         <c:varyColors val="0"/>
         <c:ser>
           <c:idx val="0"/>
@@ -241,20 +257,20 @@
               <c:strCache>
                 <c:ptCount val="1"/>
                 <c:pt idx="0">
-                  <c:v>Max = 100</c:v>
+                  <c:v>Max = 10</c:v>
                 </c:pt>
               </c:strCache>
             </c:strRef>
           </c:tx>
           <c:spPr>
-            <a:noFill/>
-            <a:ln w="25400" cap="flat" cmpd="sng" algn="ctr">
-              <a:solidFill>
-                <a:schemeClr val="accent1"/>
-              </a:solidFill>
-              <a:miter lim="800000"/>
+            <a:solidFill>
+              <a:schemeClr val="accent1"/>
+            </a:solidFill>
+            <a:ln>
+              <a:noFill/>
             </a:ln>
             <a:effectLst/>
+            <a:sp3d/>
           </c:spPr>
           <c:invertIfNegative val="0"/>
           <c:dLbls>
@@ -275,8 +291,8 @@
                   <a:defRPr sz="1197" b="0" i="0" u="none" strike="noStrike" kern="1200" baseline="0">
                     <a:solidFill>
                       <a:schemeClr val="tx1">
-                        <a:lumMod val="65000"/>
-                        <a:lumOff val="35000"/>
+                        <a:lumMod val="75000"/>
+                        <a:lumOff val="25000"/>
                       </a:schemeClr>
                     </a:solidFill>
                     <a:latin typeface="+mn-lt"/>
@@ -287,7 +303,6 @@
                 <a:endParaRPr lang="en-US"/>
               </a:p>
             </c:txPr>
-            <c:dLblPos val="outEnd"/>
             <c:showLegendKey val="0"/>
             <c:showVal val="1"/>
             <c:showCatName val="0"/>
@@ -317,53 +332,53 @@
           </c:dLbls>
           <c:cat>
             <c:strRef>
-              <c:f>Sheet1!$A$2:$A$7</c:f>
+              <c:f>Sheet1!$A$2:$A$8</c:f>
               <c:strCache>
                 <c:ptCount val="6"/>
                 <c:pt idx="0">
                   <c:v>Merge Sort</c:v>
                 </c:pt>
                 <c:pt idx="1">
-                  <c:v>Python Sort</c:v>
+                  <c:v>Radix Sort </c:v>
                 </c:pt>
                 <c:pt idx="2">
-                  <c:v>Radix Sort</c:v>
+                  <c:v>Heap Sort</c:v>
                 </c:pt>
                 <c:pt idx="3">
-                  <c:v>Heap Sort</c:v>
+                  <c:v>Insertion Sort</c:v>
                 </c:pt>
                 <c:pt idx="4">
-                  <c:v>Insertion Sort</c:v>
+                  <c:v>Bubble Sort</c:v>
                 </c:pt>
                 <c:pt idx="5">
-                  <c:v>Bubble Sort</c:v>
+                  <c:v> Shell Sort</c:v>
                 </c:pt>
               </c:strCache>
             </c:strRef>
           </c:cat>
           <c:val>
             <c:numRef>
-              <c:f>Sheet1!$B$2:$B$7</c:f>
+              <c:f>Sheet1!$B$2:$B$8</c:f>
               <c:numCache>
                 <c:formatCode>General</c:formatCode>
-                <c:ptCount val="6"/>
+                <c:ptCount val="7"/>
                 <c:pt idx="0">
-                  <c:v>0.02</c:v>
+                  <c:v>7.0000000000000007E-2</c:v>
                 </c:pt>
                 <c:pt idx="1">
-                  <c:v>0</c:v>
+                  <c:v>5.0000000000000001E-3</c:v>
                 </c:pt>
                 <c:pt idx="2">
-                  <c:v>1.1299999999999999</c:v>
+                  <c:v>4.1000000000000002E-2</c:v>
                 </c:pt>
                 <c:pt idx="3">
-                  <c:v>0.05</c:v>
+                  <c:v>2.7</c:v>
                 </c:pt>
                 <c:pt idx="4">
-                  <c:v>6.36</c:v>
+                  <c:v>5.98</c:v>
                 </c:pt>
                 <c:pt idx="5">
-                  <c:v>3.81</c:v>
+                  <c:v>1.4999999999999999E-2</c:v>
                 </c:pt>
               </c:numCache>
             </c:numRef>
@@ -383,20 +398,20 @@
               <c:strCache>
                 <c:ptCount val="1"/>
                 <c:pt idx="0">
-                  <c:v>Max = 1000</c:v>
+                  <c:v>Max = 100</c:v>
                 </c:pt>
               </c:strCache>
             </c:strRef>
           </c:tx>
           <c:spPr>
-            <a:noFill/>
-            <a:ln w="25400" cap="flat" cmpd="sng" algn="ctr">
-              <a:solidFill>
-                <a:schemeClr val="accent2"/>
-              </a:solidFill>
-              <a:miter lim="800000"/>
+            <a:solidFill>
+              <a:schemeClr val="accent2"/>
+            </a:solidFill>
+            <a:ln>
+              <a:noFill/>
             </a:ln>
             <a:effectLst/>
+            <a:sp3d/>
           </c:spPr>
           <c:invertIfNegative val="0"/>
           <c:dLbls>
@@ -417,8 +432,8 @@
                   <a:defRPr sz="1197" b="0" i="0" u="none" strike="noStrike" kern="1200" baseline="0">
                     <a:solidFill>
                       <a:schemeClr val="tx1">
-                        <a:lumMod val="65000"/>
-                        <a:lumOff val="35000"/>
+                        <a:lumMod val="75000"/>
+                        <a:lumOff val="25000"/>
                       </a:schemeClr>
                     </a:solidFill>
                     <a:latin typeface="+mn-lt"/>
@@ -429,7 +444,6 @@
                 <a:endParaRPr lang="en-US"/>
               </a:p>
             </c:txPr>
-            <c:dLblPos val="outEnd"/>
             <c:showLegendKey val="0"/>
             <c:showVal val="1"/>
             <c:showCatName val="0"/>
@@ -459,36 +473,36 @@
           </c:dLbls>
           <c:cat>
             <c:strRef>
-              <c:f>Sheet1!$A$2:$A$7</c:f>
+              <c:f>Sheet1!$A$2:$A$8</c:f>
               <c:strCache>
                 <c:ptCount val="6"/>
                 <c:pt idx="0">
                   <c:v>Merge Sort</c:v>
                 </c:pt>
                 <c:pt idx="1">
-                  <c:v>Python Sort</c:v>
+                  <c:v>Radix Sort </c:v>
                 </c:pt>
                 <c:pt idx="2">
-                  <c:v>Radix Sort</c:v>
+                  <c:v>Heap Sort</c:v>
                 </c:pt>
                 <c:pt idx="3">
-                  <c:v>Heap Sort</c:v>
+                  <c:v>Insertion Sort</c:v>
                 </c:pt>
                 <c:pt idx="4">
-                  <c:v>Insertion Sort</c:v>
+                  <c:v>Bubble Sort</c:v>
                 </c:pt>
                 <c:pt idx="5">
-                  <c:v>Bubble Sort</c:v>
+                  <c:v> Shell Sort</c:v>
                 </c:pt>
               </c:strCache>
             </c:strRef>
           </c:cat>
           <c:val>
             <c:numRef>
-              <c:f>Sheet1!$C$2:$C$7</c:f>
+              <c:f>Sheet1!$C$2:$C$8</c:f>
               <c:numCache>
                 <c:formatCode>General</c:formatCode>
-                <c:ptCount val="6"/>
+                <c:ptCount val="7"/>
                 <c:pt idx="0">
                   <c:v>0.03</c:v>
                 </c:pt>
@@ -496,16 +510,16 @@
                   <c:v>0</c:v>
                 </c:pt>
                 <c:pt idx="2">
-                  <c:v>1.1299999999999999</c:v>
+                  <c:v>0.05</c:v>
                 </c:pt>
                 <c:pt idx="3">
-                  <c:v>0.05</c:v>
+                  <c:v>2.88</c:v>
                 </c:pt>
                 <c:pt idx="4">
-                  <c:v>6.58</c:v>
+                  <c:v>6.6</c:v>
                 </c:pt>
                 <c:pt idx="5">
-                  <c:v>4.2699999999999996</c:v>
+                  <c:v>0.02</c:v>
                 </c:pt>
               </c:numCache>
             </c:numRef>
@@ -525,20 +539,20 @@
               <c:strCache>
                 <c:ptCount val="1"/>
                 <c:pt idx="0">
-                  <c:v>Max = 10000</c:v>
+                  <c:v>Max = 1000</c:v>
                 </c:pt>
               </c:strCache>
             </c:strRef>
           </c:tx>
           <c:spPr>
-            <a:noFill/>
-            <a:ln w="25400" cap="flat" cmpd="sng" algn="ctr">
-              <a:solidFill>
-                <a:schemeClr val="accent3"/>
-              </a:solidFill>
-              <a:miter lim="800000"/>
+            <a:solidFill>
+              <a:schemeClr val="accent3"/>
+            </a:solidFill>
+            <a:ln>
+              <a:noFill/>
             </a:ln>
             <a:effectLst/>
+            <a:sp3d/>
           </c:spPr>
           <c:invertIfNegative val="0"/>
           <c:dLbls>
@@ -559,8 +573,8 @@
                   <a:defRPr sz="1197" b="0" i="0" u="none" strike="noStrike" kern="1200" baseline="0">
                     <a:solidFill>
                       <a:schemeClr val="tx1">
-                        <a:lumMod val="65000"/>
-                        <a:lumOff val="35000"/>
+                        <a:lumMod val="75000"/>
+                        <a:lumOff val="25000"/>
                       </a:schemeClr>
                     </a:solidFill>
                     <a:latin typeface="+mn-lt"/>
@@ -571,7 +585,6 @@
                 <a:endParaRPr lang="en-US"/>
               </a:p>
             </c:txPr>
-            <c:dLblPos val="outEnd"/>
             <c:showLegendKey val="0"/>
             <c:showVal val="1"/>
             <c:showCatName val="0"/>
@@ -601,53 +614,53 @@
           </c:dLbls>
           <c:cat>
             <c:strRef>
-              <c:f>Sheet1!$A$2:$A$7</c:f>
+              <c:f>Sheet1!$A$2:$A$8</c:f>
               <c:strCache>
                 <c:ptCount val="6"/>
                 <c:pt idx="0">
                   <c:v>Merge Sort</c:v>
                 </c:pt>
                 <c:pt idx="1">
-                  <c:v>Python Sort</c:v>
+                  <c:v>Radix Sort </c:v>
                 </c:pt>
                 <c:pt idx="2">
-                  <c:v>Radix Sort</c:v>
+                  <c:v>Heap Sort</c:v>
                 </c:pt>
                 <c:pt idx="3">
-                  <c:v>Heap Sort</c:v>
+                  <c:v>Insertion Sort</c:v>
                 </c:pt>
                 <c:pt idx="4">
-                  <c:v>Insertion Sort</c:v>
+                  <c:v>Bubble Sort</c:v>
                 </c:pt>
                 <c:pt idx="5">
-                  <c:v>Bubble Sort</c:v>
+                  <c:v> Shell Sort</c:v>
                 </c:pt>
               </c:strCache>
             </c:strRef>
           </c:cat>
           <c:val>
             <c:numRef>
-              <c:f>Sheet1!$D$2:$D$7</c:f>
+              <c:f>Sheet1!$D$2:$D$8</c:f>
               <c:numCache>
                 <c:formatCode>General</c:formatCode>
-                <c:ptCount val="6"/>
+                <c:ptCount val="7"/>
                 <c:pt idx="0">
                   <c:v>0.02</c:v>
                 </c:pt>
                 <c:pt idx="1">
-                  <c:v>0</c:v>
+                  <c:v>1.6E-2</c:v>
                 </c:pt>
                 <c:pt idx="2">
-                  <c:v>1.23</c:v>
+                  <c:v>4.7E-2</c:v>
                 </c:pt>
                 <c:pt idx="3">
-                  <c:v>0.05</c:v>
+                  <c:v>3.46</c:v>
                 </c:pt>
                 <c:pt idx="4">
-                  <c:v>6.67</c:v>
+                  <c:v>11.18</c:v>
                 </c:pt>
                 <c:pt idx="5">
-                  <c:v>4.18</c:v>
+                  <c:v>0.06</c:v>
                 </c:pt>
               </c:numCache>
             </c:numRef>
@@ -658,8 +671,430 @@
             </c:ext>
           </c:extLst>
         </c:ser>
+        <c:ser>
+          <c:idx val="3"/>
+          <c:order val="3"/>
+          <c:tx>
+            <c:strRef>
+              <c:f>Sheet1!$E$1</c:f>
+              <c:strCache>
+                <c:ptCount val="1"/>
+                <c:pt idx="0">
+                  <c:v>Max = 10000</c:v>
+                </c:pt>
+              </c:strCache>
+            </c:strRef>
+          </c:tx>
+          <c:spPr>
+            <a:solidFill>
+              <a:schemeClr val="accent4"/>
+            </a:solidFill>
+            <a:ln>
+              <a:noFill/>
+            </a:ln>
+            <a:effectLst/>
+            <a:sp3d/>
+          </c:spPr>
+          <c:invertIfNegative val="0"/>
+          <c:dLbls>
+            <c:spPr>
+              <a:noFill/>
+              <a:ln>
+                <a:noFill/>
+              </a:ln>
+              <a:effectLst/>
+            </c:spPr>
+            <c:txPr>
+              <a:bodyPr rot="0" spcFirstLastPara="1" vertOverflow="ellipsis" vert="horz" wrap="square" lIns="38100" tIns="19050" rIns="38100" bIns="19050" anchor="ctr" anchorCtr="1">
+                <a:spAutoFit/>
+              </a:bodyPr>
+              <a:lstStyle/>
+              <a:p>
+                <a:pPr>
+                  <a:defRPr sz="1197" b="0" i="0" u="none" strike="noStrike" kern="1200" baseline="0">
+                    <a:solidFill>
+                      <a:schemeClr val="tx1">
+                        <a:lumMod val="75000"/>
+                        <a:lumOff val="25000"/>
+                      </a:schemeClr>
+                    </a:solidFill>
+                    <a:latin typeface="+mn-lt"/>
+                    <a:ea typeface="+mn-ea"/>
+                    <a:cs typeface="+mn-cs"/>
+                  </a:defRPr>
+                </a:pPr>
+                <a:endParaRPr lang="en-US"/>
+              </a:p>
+            </c:txPr>
+            <c:showLegendKey val="0"/>
+            <c:showVal val="1"/>
+            <c:showCatName val="0"/>
+            <c:showSerName val="0"/>
+            <c:showPercent val="0"/>
+            <c:showBubbleSize val="0"/>
+            <c:showLeaderLines val="0"/>
+            <c:extLst>
+              <c:ext xmlns:c15="http://schemas.microsoft.com/office/drawing/2012/chart" uri="{CE6537A1-D6FC-4f65-9D91-7224C49458BB}">
+                <c15:showLeaderLines val="1"/>
+                <c15:leaderLines>
+                  <c:spPr>
+                    <a:ln w="9525" cap="flat" cmpd="sng" algn="ctr">
+                      <a:solidFill>
+                        <a:schemeClr val="tx1">
+                          <a:lumMod val="35000"/>
+                          <a:lumOff val="65000"/>
+                        </a:schemeClr>
+                      </a:solidFill>
+                      <a:round/>
+                    </a:ln>
+                    <a:effectLst/>
+                  </c:spPr>
+                </c15:leaderLines>
+              </c:ext>
+            </c:extLst>
+          </c:dLbls>
+          <c:cat>
+            <c:strRef>
+              <c:f>Sheet1!$A$2:$A$8</c:f>
+              <c:strCache>
+                <c:ptCount val="6"/>
+                <c:pt idx="0">
+                  <c:v>Merge Sort</c:v>
+                </c:pt>
+                <c:pt idx="1">
+                  <c:v>Radix Sort </c:v>
+                </c:pt>
+                <c:pt idx="2">
+                  <c:v>Heap Sort</c:v>
+                </c:pt>
+                <c:pt idx="3">
+                  <c:v>Insertion Sort</c:v>
+                </c:pt>
+                <c:pt idx="4">
+                  <c:v>Bubble Sort</c:v>
+                </c:pt>
+                <c:pt idx="5">
+                  <c:v> Shell Sort</c:v>
+                </c:pt>
+              </c:strCache>
+            </c:strRef>
+          </c:cat>
+          <c:val>
+            <c:numRef>
+              <c:f>Sheet1!$E$2:$E$8</c:f>
+              <c:numCache>
+                <c:formatCode>General</c:formatCode>
+                <c:ptCount val="7"/>
+                <c:pt idx="0">
+                  <c:v>0.04</c:v>
+                </c:pt>
+                <c:pt idx="1">
+                  <c:v>1.6E-2</c:v>
+                </c:pt>
+                <c:pt idx="2">
+                  <c:v>0.06</c:v>
+                </c:pt>
+                <c:pt idx="3">
+                  <c:v>3.14</c:v>
+                </c:pt>
+                <c:pt idx="4">
+                  <c:v>6.79</c:v>
+                </c:pt>
+                <c:pt idx="5">
+                  <c:v>0.04</c:v>
+                </c:pt>
+              </c:numCache>
+            </c:numRef>
+          </c:val>
+          <c:extLst>
+            <c:ext xmlns:c16="http://schemas.microsoft.com/office/drawing/2014/chart" uri="{C3380CC4-5D6E-409C-BE32-E72D297353CC}">
+              <c16:uniqueId val="{00000001-1AF8-42EC-A88B-C2E09E8F0B7E}"/>
+            </c:ext>
+          </c:extLst>
+        </c:ser>
+        <c:ser>
+          <c:idx val="4"/>
+          <c:order val="4"/>
+          <c:tx>
+            <c:strRef>
+              <c:f>Sheet1!$F$1</c:f>
+              <c:strCache>
+                <c:ptCount val="1"/>
+                <c:pt idx="0">
+                  <c:v>Max = 100000</c:v>
+                </c:pt>
+              </c:strCache>
+            </c:strRef>
+          </c:tx>
+          <c:spPr>
+            <a:solidFill>
+              <a:schemeClr val="accent5"/>
+            </a:solidFill>
+            <a:ln>
+              <a:noFill/>
+            </a:ln>
+            <a:effectLst/>
+            <a:sp3d/>
+          </c:spPr>
+          <c:invertIfNegative val="0"/>
+          <c:dLbls>
+            <c:spPr>
+              <a:noFill/>
+              <a:ln>
+                <a:noFill/>
+              </a:ln>
+              <a:effectLst/>
+            </c:spPr>
+            <c:txPr>
+              <a:bodyPr rot="0" spcFirstLastPara="1" vertOverflow="ellipsis" vert="horz" wrap="square" lIns="38100" tIns="19050" rIns="38100" bIns="19050" anchor="ctr" anchorCtr="1">
+                <a:spAutoFit/>
+              </a:bodyPr>
+              <a:lstStyle/>
+              <a:p>
+                <a:pPr>
+                  <a:defRPr sz="1197" b="0" i="0" u="none" strike="noStrike" kern="1200" baseline="0">
+                    <a:solidFill>
+                      <a:schemeClr val="tx1">
+                        <a:lumMod val="75000"/>
+                        <a:lumOff val="25000"/>
+                      </a:schemeClr>
+                    </a:solidFill>
+                    <a:latin typeface="+mn-lt"/>
+                    <a:ea typeface="+mn-ea"/>
+                    <a:cs typeface="+mn-cs"/>
+                  </a:defRPr>
+                </a:pPr>
+                <a:endParaRPr lang="en-US"/>
+              </a:p>
+            </c:txPr>
+            <c:showLegendKey val="0"/>
+            <c:showVal val="1"/>
+            <c:showCatName val="0"/>
+            <c:showSerName val="0"/>
+            <c:showPercent val="0"/>
+            <c:showBubbleSize val="0"/>
+            <c:showLeaderLines val="0"/>
+            <c:extLst>
+              <c:ext xmlns:c15="http://schemas.microsoft.com/office/drawing/2012/chart" uri="{CE6537A1-D6FC-4f65-9D91-7224C49458BB}">
+                <c15:showLeaderLines val="1"/>
+                <c15:leaderLines>
+                  <c:spPr>
+                    <a:ln w="9525" cap="flat" cmpd="sng" algn="ctr">
+                      <a:solidFill>
+                        <a:schemeClr val="tx1">
+                          <a:lumMod val="35000"/>
+                          <a:lumOff val="65000"/>
+                        </a:schemeClr>
+                      </a:solidFill>
+                      <a:round/>
+                    </a:ln>
+                    <a:effectLst/>
+                  </c:spPr>
+                </c15:leaderLines>
+              </c:ext>
+            </c:extLst>
+          </c:dLbls>
+          <c:cat>
+            <c:strRef>
+              <c:f>Sheet1!$A$2:$A$8</c:f>
+              <c:strCache>
+                <c:ptCount val="6"/>
+                <c:pt idx="0">
+                  <c:v>Merge Sort</c:v>
+                </c:pt>
+                <c:pt idx="1">
+                  <c:v>Radix Sort </c:v>
+                </c:pt>
+                <c:pt idx="2">
+                  <c:v>Heap Sort</c:v>
+                </c:pt>
+                <c:pt idx="3">
+                  <c:v>Insertion Sort</c:v>
+                </c:pt>
+                <c:pt idx="4">
+                  <c:v>Bubble Sort</c:v>
+                </c:pt>
+                <c:pt idx="5">
+                  <c:v> Shell Sort</c:v>
+                </c:pt>
+              </c:strCache>
+            </c:strRef>
+          </c:cat>
+          <c:val>
+            <c:numRef>
+              <c:f>Sheet1!$F$2:$F$8</c:f>
+              <c:numCache>
+                <c:formatCode>General</c:formatCode>
+                <c:ptCount val="7"/>
+                <c:pt idx="0">
+                  <c:v>3.3000000000000002E-2</c:v>
+                </c:pt>
+                <c:pt idx="1">
+                  <c:v>3.3000000000000002E-2</c:v>
+                </c:pt>
+                <c:pt idx="2">
+                  <c:v>0.04</c:v>
+                </c:pt>
+                <c:pt idx="3">
+                  <c:v>3.05</c:v>
+                </c:pt>
+                <c:pt idx="4">
+                  <c:v>6.97</c:v>
+                </c:pt>
+                <c:pt idx="5">
+                  <c:v>4.5999999999999999E-2</c:v>
+                </c:pt>
+              </c:numCache>
+            </c:numRef>
+          </c:val>
+          <c:extLst>
+            <c:ext xmlns:c16="http://schemas.microsoft.com/office/drawing/2014/chart" uri="{C3380CC4-5D6E-409C-BE32-E72D297353CC}">
+              <c16:uniqueId val="{00000002-1AF8-42EC-A88B-C2E09E8F0B7E}"/>
+            </c:ext>
+          </c:extLst>
+        </c:ser>
+        <c:ser>
+          <c:idx val="5"/>
+          <c:order val="5"/>
+          <c:tx>
+            <c:strRef>
+              <c:f>Sheet1!$G$1</c:f>
+              <c:strCache>
+                <c:ptCount val="1"/>
+                <c:pt idx="0">
+                  <c:v>Max = 1000000</c:v>
+                </c:pt>
+              </c:strCache>
+            </c:strRef>
+          </c:tx>
+          <c:spPr>
+            <a:solidFill>
+              <a:schemeClr val="accent6"/>
+            </a:solidFill>
+            <a:ln>
+              <a:noFill/>
+            </a:ln>
+            <a:effectLst/>
+            <a:sp3d/>
+          </c:spPr>
+          <c:invertIfNegative val="0"/>
+          <c:dLbls>
+            <c:spPr>
+              <a:noFill/>
+              <a:ln>
+                <a:noFill/>
+              </a:ln>
+              <a:effectLst/>
+            </c:spPr>
+            <c:txPr>
+              <a:bodyPr rot="0" spcFirstLastPara="1" vertOverflow="ellipsis" vert="horz" wrap="square" lIns="38100" tIns="19050" rIns="38100" bIns="19050" anchor="ctr" anchorCtr="1">
+                <a:spAutoFit/>
+              </a:bodyPr>
+              <a:lstStyle/>
+              <a:p>
+                <a:pPr>
+                  <a:defRPr sz="1197" b="0" i="0" u="none" strike="noStrike" kern="1200" baseline="0">
+                    <a:solidFill>
+                      <a:schemeClr val="tx1">
+                        <a:lumMod val="75000"/>
+                        <a:lumOff val="25000"/>
+                      </a:schemeClr>
+                    </a:solidFill>
+                    <a:latin typeface="+mn-lt"/>
+                    <a:ea typeface="+mn-ea"/>
+                    <a:cs typeface="+mn-cs"/>
+                  </a:defRPr>
+                </a:pPr>
+                <a:endParaRPr lang="en-US"/>
+              </a:p>
+            </c:txPr>
+            <c:showLegendKey val="0"/>
+            <c:showVal val="1"/>
+            <c:showCatName val="0"/>
+            <c:showSerName val="0"/>
+            <c:showPercent val="0"/>
+            <c:showBubbleSize val="0"/>
+            <c:showLeaderLines val="0"/>
+            <c:extLst>
+              <c:ext xmlns:c15="http://schemas.microsoft.com/office/drawing/2012/chart" uri="{CE6537A1-D6FC-4f65-9D91-7224C49458BB}">
+                <c15:showLeaderLines val="1"/>
+                <c15:leaderLines>
+                  <c:spPr>
+                    <a:ln w="9525" cap="flat" cmpd="sng" algn="ctr">
+                      <a:solidFill>
+                        <a:schemeClr val="tx1">
+                          <a:lumMod val="35000"/>
+                          <a:lumOff val="65000"/>
+                        </a:schemeClr>
+                      </a:solidFill>
+                      <a:round/>
+                    </a:ln>
+                    <a:effectLst/>
+                  </c:spPr>
+                </c15:leaderLines>
+              </c:ext>
+            </c:extLst>
+          </c:dLbls>
+          <c:cat>
+            <c:strRef>
+              <c:f>Sheet1!$A$2:$A$8</c:f>
+              <c:strCache>
+                <c:ptCount val="6"/>
+                <c:pt idx="0">
+                  <c:v>Merge Sort</c:v>
+                </c:pt>
+                <c:pt idx="1">
+                  <c:v>Radix Sort </c:v>
+                </c:pt>
+                <c:pt idx="2">
+                  <c:v>Heap Sort</c:v>
+                </c:pt>
+                <c:pt idx="3">
+                  <c:v>Insertion Sort</c:v>
+                </c:pt>
+                <c:pt idx="4">
+                  <c:v>Bubble Sort</c:v>
+                </c:pt>
+                <c:pt idx="5">
+                  <c:v> Shell Sort</c:v>
+                </c:pt>
+              </c:strCache>
+            </c:strRef>
+          </c:cat>
+          <c:val>
+            <c:numRef>
+              <c:f>Sheet1!$G$2:$G$8</c:f>
+              <c:numCache>
+                <c:formatCode>General</c:formatCode>
+                <c:ptCount val="7"/>
+                <c:pt idx="0">
+                  <c:v>3.5999999999999997E-2</c:v>
+                </c:pt>
+                <c:pt idx="1">
+                  <c:v>0.01</c:v>
+                </c:pt>
+                <c:pt idx="2">
+                  <c:v>0.04</c:v>
+                </c:pt>
+                <c:pt idx="3">
+                  <c:v>3.125</c:v>
+                </c:pt>
+                <c:pt idx="4">
+                  <c:v>6.88</c:v>
+                </c:pt>
+                <c:pt idx="5">
+                  <c:v>3.1E-2</c:v>
+                </c:pt>
+              </c:numCache>
+            </c:numRef>
+          </c:val>
+          <c:extLst>
+            <c:ext xmlns:c16="http://schemas.microsoft.com/office/drawing/2014/chart" uri="{C3380CC4-5D6E-409C-BE32-E72D297353CC}">
+              <c16:uniqueId val="{00000003-1AF8-42EC-A88B-C2E09E8F0B7E}"/>
+            </c:ext>
+          </c:extLst>
+        </c:ser>
         <c:dLbls>
-          <c:dLblPos val="outEnd"/>
           <c:showLegendKey val="0"/>
           <c:showVal val="1"/>
           <c:showCatName val="0"/>
@@ -667,11 +1102,12 @@
           <c:showPercent val="0"/>
           <c:showBubbleSize val="0"/>
         </c:dLbls>
-        <c:gapWidth val="164"/>
-        <c:overlap val="-35"/>
+        <c:gapWidth val="150"/>
+        <c:shape val="box"/>
         <c:axId val="460539824"/>
         <c:axId val="460542320"/>
-      </c:barChart>
+        <c:axId val="578763616"/>
+      </c:bar3DChart>
       <c:catAx>
         <c:axId val="460539824"/>
         <c:scaling>
@@ -698,8 +1134,8 @@
               <a:defRPr sz="1197" b="0" i="0" u="none" strike="noStrike" kern="1200" baseline="0">
                 <a:solidFill>
                   <a:schemeClr val="tx1">
-                    <a:lumMod val="50000"/>
-                    <a:lumOff val="50000"/>
+                    <a:lumMod val="65000"/>
+                    <a:lumOff val="35000"/>
                   </a:schemeClr>
                 </a:solidFill>
                 <a:latin typeface="+mn-lt"/>
@@ -724,6 +1160,20 @@
         </c:scaling>
         <c:delete val="0"/>
         <c:axPos val="l"/>
+        <c:majorGridlines>
+          <c:spPr>
+            <a:ln w="9525" cap="flat" cmpd="sng" algn="ctr">
+              <a:solidFill>
+                <a:schemeClr val="tx1">
+                  <a:lumMod val="15000"/>
+                  <a:lumOff val="85000"/>
+                </a:schemeClr>
+              </a:solidFill>
+              <a:round/>
+            </a:ln>
+            <a:effectLst/>
+          </c:spPr>
+        </c:majorGridlines>
         <c:numFmt formatCode="General" sourceLinked="1"/>
         <c:majorTickMark val="none"/>
         <c:minorTickMark val="none"/>
@@ -743,8 +1193,8 @@
               <a:defRPr sz="1197" b="0" i="0" u="none" strike="noStrike" kern="1200" baseline="0">
                 <a:solidFill>
                   <a:schemeClr val="tx1">
-                    <a:lumMod val="50000"/>
-                    <a:lumOff val="50000"/>
+                    <a:lumMod val="65000"/>
+                    <a:lumOff val="35000"/>
                   </a:schemeClr>
                 </a:solidFill>
                 <a:latin typeface="+mn-lt"/>
@@ -759,6 +1209,46 @@
         <c:crosses val="autoZero"/>
         <c:crossBetween val="between"/>
       </c:valAx>
+      <c:serAx>
+        <c:axId val="578763616"/>
+        <c:scaling>
+          <c:orientation val="minMax"/>
+        </c:scaling>
+        <c:delete val="0"/>
+        <c:axPos val="b"/>
+        <c:majorTickMark val="out"/>
+        <c:minorTickMark val="none"/>
+        <c:tickLblPos val="nextTo"/>
+        <c:spPr>
+          <a:noFill/>
+          <a:ln>
+            <a:noFill/>
+          </a:ln>
+          <a:effectLst/>
+        </c:spPr>
+        <c:txPr>
+          <a:bodyPr rot="-60000000" spcFirstLastPara="1" vertOverflow="ellipsis" vert="horz" wrap="square" anchor="ctr" anchorCtr="1"/>
+          <a:lstStyle/>
+          <a:p>
+            <a:pPr>
+              <a:defRPr sz="1197" b="0" i="0" u="none" strike="noStrike" kern="1200" baseline="0">
+                <a:solidFill>
+                  <a:schemeClr val="tx1">
+                    <a:lumMod val="65000"/>
+                    <a:lumOff val="35000"/>
+                  </a:schemeClr>
+                </a:solidFill>
+                <a:latin typeface="+mn-lt"/>
+                <a:ea typeface="+mn-ea"/>
+                <a:cs typeface="+mn-cs"/>
+              </a:defRPr>
+            </a:pPr>
+            <a:endParaRPr lang="en-US"/>
+          </a:p>
+        </c:txPr>
+        <c:crossAx val="460542320"/>
+        <c:crosses val="autoZero"/>
+      </c:serAx>
       <c:spPr>
         <a:noFill/>
         <a:ln>
@@ -768,7 +1258,7 @@
       </c:spPr>
     </c:plotArea>
     <c:legend>
-      <c:legendPos val="t"/>
+      <c:legendPos val="b"/>
       <c:overlay val="0"/>
       <c:spPr>
         <a:noFill/>
@@ -785,8 +1275,1215 @@
             <a:defRPr sz="1197" b="0" i="0" u="none" strike="noStrike" kern="1200" baseline="0">
               <a:solidFill>
                 <a:schemeClr val="tx1">
-                  <a:lumMod val="50000"/>
-                  <a:lumOff val="50000"/>
+                  <a:lumMod val="65000"/>
+                  <a:lumOff val="35000"/>
+                </a:schemeClr>
+              </a:solidFill>
+              <a:latin typeface="+mn-lt"/>
+              <a:ea typeface="+mn-ea"/>
+              <a:cs typeface="+mn-cs"/>
+            </a:defRPr>
+          </a:pPr>
+          <a:endParaRPr lang="en-US"/>
+        </a:p>
+      </c:txPr>
+    </c:legend>
+    <c:plotVisOnly val="1"/>
+    <c:dispBlanksAs val="gap"/>
+    <c:extLst>
+      <c:ext xmlns:c16r3="http://schemas.microsoft.com/office/drawing/2017/03/chart" uri="{56B9EC1D-385E-4148-901F-78D8002777C0}">
+        <c16r3:dataDisplayOptions16>
+          <c16r3:dispNaAsBlank val="1"/>
+        </c16r3:dataDisplayOptions16>
+      </c:ext>
+    </c:extLst>
+    <c:showDLblsOverMax val="0"/>
+  </c:chart>
+  <c:spPr>
+    <a:noFill/>
+    <a:ln>
+      <a:noFill/>
+    </a:ln>
+    <a:effectLst/>
+  </c:spPr>
+  <c:txPr>
+    <a:bodyPr/>
+    <a:lstStyle/>
+    <a:p>
+      <a:pPr>
+        <a:defRPr/>
+      </a:pPr>
+      <a:endParaRPr lang="en-US"/>
+    </a:p>
+  </c:txPr>
+  <c:externalData r:id="rId3">
+    <c:autoUpdate val="0"/>
+  </c:externalData>
+</c:chartSpace>
+</file>
+
+<file path=ppt/charts/chart2.xml><?xml version="1.0" encoding="utf-8"?>
+<c:chartSpace xmlns:c="http://schemas.openxmlformats.org/drawingml/2006/chart" xmlns:a="http://schemas.openxmlformats.org/drawingml/2006/main" xmlns:r="http://schemas.openxmlformats.org/officeDocument/2006/relationships" xmlns:c16r2="http://schemas.microsoft.com/office/drawing/2015/06/chart">
+  <c:date1904 val="0"/>
+  <c:lang val="en-US"/>
+  <c:roundedCorners val="0"/>
+  <mc:AlternateContent xmlns:mc="http://schemas.openxmlformats.org/markup-compatibility/2006">
+    <mc:Choice xmlns:c14="http://schemas.microsoft.com/office/drawing/2007/8/2/chart" Requires="c14">
+      <c14:style val="102"/>
+    </mc:Choice>
+    <mc:Fallback>
+      <c:style val="2"/>
+    </mc:Fallback>
+  </mc:AlternateContent>
+  <c:chart>
+    <c:title>
+      <c:tx>
+        <c:rich>
+          <a:bodyPr rot="0" spcFirstLastPara="1" vertOverflow="ellipsis" vert="horz" wrap="square" anchor="ctr" anchorCtr="1"/>
+          <a:lstStyle/>
+          <a:p>
+            <a:pPr>
+              <a:defRPr sz="1862" b="0" i="0" u="none" strike="noStrike" kern="1200" spc="0" baseline="0">
+                <a:solidFill>
+                  <a:schemeClr val="tx1">
+                    <a:lumMod val="65000"/>
+                    <a:lumOff val="35000"/>
+                  </a:schemeClr>
+                </a:solidFill>
+                <a:latin typeface="+mn-lt"/>
+                <a:ea typeface="+mn-ea"/>
+                <a:cs typeface="+mn-cs"/>
+              </a:defRPr>
+            </a:pPr>
+            <a:r>
+              <a:rPr lang="en-US"/>
+              <a:t>Timpul este exprimat in secunde.</a:t>
+            </a:r>
+          </a:p>
+        </c:rich>
+      </c:tx>
+      <c:layout>
+        <c:manualLayout>
+          <c:xMode val="edge"/>
+          <c:yMode val="edge"/>
+          <c:x val="0.3157336718779718"/>
+          <c:y val="0"/>
+        </c:manualLayout>
+      </c:layout>
+      <c:overlay val="0"/>
+      <c:spPr>
+        <a:noFill/>
+        <a:ln>
+          <a:noFill/>
+        </a:ln>
+        <a:effectLst/>
+      </c:spPr>
+      <c:txPr>
+        <a:bodyPr rot="0" spcFirstLastPara="1" vertOverflow="ellipsis" vert="horz" wrap="square" anchor="ctr" anchorCtr="1"/>
+        <a:lstStyle/>
+        <a:p>
+          <a:pPr>
+            <a:defRPr sz="1862" b="0" i="0" u="none" strike="noStrike" kern="1200" spc="0" baseline="0">
+              <a:solidFill>
+                <a:schemeClr val="tx1">
+                  <a:lumMod val="65000"/>
+                  <a:lumOff val="35000"/>
+                </a:schemeClr>
+              </a:solidFill>
+              <a:latin typeface="+mn-lt"/>
+              <a:ea typeface="+mn-ea"/>
+              <a:cs typeface="+mn-cs"/>
+            </a:defRPr>
+          </a:pPr>
+          <a:endParaRPr lang="en-US"/>
+        </a:p>
+      </c:txPr>
+    </c:title>
+    <c:autoTitleDeleted val="0"/>
+    <c:view3D>
+      <c:rotX val="15"/>
+      <c:rotY val="20"/>
+      <c:depthPercent val="100"/>
+      <c:rAngAx val="1"/>
+    </c:view3D>
+    <c:floor>
+      <c:thickness val="0"/>
+      <c:spPr>
+        <a:noFill/>
+        <a:ln>
+          <a:noFill/>
+        </a:ln>
+        <a:effectLst/>
+        <a:sp3d/>
+      </c:spPr>
+    </c:floor>
+    <c:sideWall>
+      <c:thickness val="0"/>
+      <c:spPr>
+        <a:noFill/>
+        <a:ln>
+          <a:noFill/>
+        </a:ln>
+        <a:effectLst/>
+        <a:sp3d/>
+      </c:spPr>
+    </c:sideWall>
+    <c:backWall>
+      <c:thickness val="0"/>
+      <c:spPr>
+        <a:noFill/>
+        <a:ln>
+          <a:noFill/>
+        </a:ln>
+        <a:effectLst/>
+        <a:sp3d/>
+      </c:spPr>
+    </c:backWall>
+    <c:plotArea>
+      <c:layout>
+        <c:manualLayout>
+          <c:layoutTarget val="inner"/>
+          <c:xMode val="edge"/>
+          <c:yMode val="edge"/>
+          <c:x val="2.2546407242572938E-2"/>
+          <c:y val="9.7596417469752977E-2"/>
+          <c:w val="0.96980676328502413"/>
+          <c:h val="0.69448454705196427"/>
+        </c:manualLayout>
+      </c:layout>
+      <c:bar3DChart>
+        <c:barDir val="col"/>
+        <c:grouping val="standard"/>
+        <c:varyColors val="0"/>
+        <c:ser>
+          <c:idx val="0"/>
+          <c:order val="0"/>
+          <c:tx>
+            <c:strRef>
+              <c:f>Sheet1!$B$1</c:f>
+              <c:strCache>
+                <c:ptCount val="1"/>
+                <c:pt idx="0">
+                  <c:v>Max = 10</c:v>
+                </c:pt>
+              </c:strCache>
+            </c:strRef>
+          </c:tx>
+          <c:spPr>
+            <a:solidFill>
+              <a:schemeClr val="accent1"/>
+            </a:solidFill>
+            <a:ln>
+              <a:noFill/>
+            </a:ln>
+            <a:effectLst/>
+            <a:sp3d/>
+          </c:spPr>
+          <c:invertIfNegative val="0"/>
+          <c:dLbls>
+            <c:spPr>
+              <a:noFill/>
+              <a:ln>
+                <a:noFill/>
+              </a:ln>
+              <a:effectLst/>
+            </c:spPr>
+            <c:txPr>
+              <a:bodyPr rot="0" spcFirstLastPara="1" vertOverflow="ellipsis" vert="horz" wrap="square" lIns="38100" tIns="19050" rIns="38100" bIns="19050" anchor="ctr" anchorCtr="1">
+                <a:spAutoFit/>
+              </a:bodyPr>
+              <a:lstStyle/>
+              <a:p>
+                <a:pPr>
+                  <a:defRPr sz="1197" b="0" i="0" u="none" strike="noStrike" kern="1200" baseline="0">
+                    <a:solidFill>
+                      <a:schemeClr val="tx1">
+                        <a:lumMod val="75000"/>
+                        <a:lumOff val="25000"/>
+                      </a:schemeClr>
+                    </a:solidFill>
+                    <a:latin typeface="+mn-lt"/>
+                    <a:ea typeface="+mn-ea"/>
+                    <a:cs typeface="+mn-cs"/>
+                  </a:defRPr>
+                </a:pPr>
+                <a:endParaRPr lang="en-US"/>
+              </a:p>
+            </c:txPr>
+            <c:showLegendKey val="0"/>
+            <c:showVal val="1"/>
+            <c:showCatName val="0"/>
+            <c:showSerName val="0"/>
+            <c:showPercent val="0"/>
+            <c:showBubbleSize val="0"/>
+            <c:showLeaderLines val="0"/>
+            <c:extLst>
+              <c:ext xmlns:c15="http://schemas.microsoft.com/office/drawing/2012/chart" uri="{CE6537A1-D6FC-4f65-9D91-7224C49458BB}">
+                <c15:showLeaderLines val="1"/>
+                <c15:leaderLines>
+                  <c:spPr>
+                    <a:ln w="9525" cap="flat" cmpd="sng" algn="ctr">
+                      <a:solidFill>
+                        <a:schemeClr val="tx1">
+                          <a:lumMod val="35000"/>
+                          <a:lumOff val="65000"/>
+                        </a:schemeClr>
+                      </a:solidFill>
+                      <a:round/>
+                    </a:ln>
+                    <a:effectLst/>
+                  </c:spPr>
+                </c15:leaderLines>
+              </c:ext>
+            </c:extLst>
+          </c:dLbls>
+          <c:cat>
+            <c:strRef>
+              <c:f>Sheet1!$A$2:$A$8</c:f>
+              <c:strCache>
+                <c:ptCount val="6"/>
+                <c:pt idx="0">
+                  <c:v>Merge Sort</c:v>
+                </c:pt>
+                <c:pt idx="1">
+                  <c:v>Radix Sort </c:v>
+                </c:pt>
+                <c:pt idx="2">
+                  <c:v>Heap Sort</c:v>
+                </c:pt>
+                <c:pt idx="3">
+                  <c:v>Insertion Sort</c:v>
+                </c:pt>
+                <c:pt idx="4">
+                  <c:v>Bubble Sort</c:v>
+                </c:pt>
+                <c:pt idx="5">
+                  <c:v> Shell Sort</c:v>
+                </c:pt>
+              </c:strCache>
+            </c:strRef>
+          </c:cat>
+          <c:val>
+            <c:numRef>
+              <c:f>Sheet1!$B$2:$B$8</c:f>
+              <c:numCache>
+                <c:formatCode>General</c:formatCode>
+                <c:ptCount val="7"/>
+                <c:pt idx="0">
+                  <c:v>7.0000000000000007E-2</c:v>
+                </c:pt>
+                <c:pt idx="1">
+                  <c:v>5.0000000000000001E-3</c:v>
+                </c:pt>
+                <c:pt idx="2">
+                  <c:v>4.1000000000000002E-2</c:v>
+                </c:pt>
+                <c:pt idx="3">
+                  <c:v>2.7</c:v>
+                </c:pt>
+                <c:pt idx="4">
+                  <c:v>5.98</c:v>
+                </c:pt>
+                <c:pt idx="5">
+                  <c:v>1.4999999999999999E-2</c:v>
+                </c:pt>
+              </c:numCache>
+            </c:numRef>
+          </c:val>
+          <c:extLst>
+            <c:ext xmlns:c16="http://schemas.microsoft.com/office/drawing/2014/chart" uri="{C3380CC4-5D6E-409C-BE32-E72D297353CC}">
+              <c16:uniqueId val="{00000000-5DF3-4103-A137-7961B778ACE8}"/>
+            </c:ext>
+          </c:extLst>
+        </c:ser>
+        <c:ser>
+          <c:idx val="1"/>
+          <c:order val="1"/>
+          <c:tx>
+            <c:strRef>
+              <c:f>Sheet1!$C$1</c:f>
+              <c:strCache>
+                <c:ptCount val="1"/>
+                <c:pt idx="0">
+                  <c:v>Max = 100</c:v>
+                </c:pt>
+              </c:strCache>
+            </c:strRef>
+          </c:tx>
+          <c:spPr>
+            <a:solidFill>
+              <a:schemeClr val="accent2"/>
+            </a:solidFill>
+            <a:ln>
+              <a:noFill/>
+            </a:ln>
+            <a:effectLst/>
+            <a:sp3d/>
+          </c:spPr>
+          <c:invertIfNegative val="0"/>
+          <c:dLbls>
+            <c:spPr>
+              <a:noFill/>
+              <a:ln>
+                <a:noFill/>
+              </a:ln>
+              <a:effectLst/>
+            </c:spPr>
+            <c:txPr>
+              <a:bodyPr rot="0" spcFirstLastPara="1" vertOverflow="ellipsis" vert="horz" wrap="square" lIns="38100" tIns="19050" rIns="38100" bIns="19050" anchor="ctr" anchorCtr="1">
+                <a:spAutoFit/>
+              </a:bodyPr>
+              <a:lstStyle/>
+              <a:p>
+                <a:pPr>
+                  <a:defRPr sz="1197" b="0" i="0" u="none" strike="noStrike" kern="1200" baseline="0">
+                    <a:solidFill>
+                      <a:schemeClr val="tx1">
+                        <a:lumMod val="75000"/>
+                        <a:lumOff val="25000"/>
+                      </a:schemeClr>
+                    </a:solidFill>
+                    <a:latin typeface="+mn-lt"/>
+                    <a:ea typeface="+mn-ea"/>
+                    <a:cs typeface="+mn-cs"/>
+                  </a:defRPr>
+                </a:pPr>
+                <a:endParaRPr lang="en-US"/>
+              </a:p>
+            </c:txPr>
+            <c:showLegendKey val="0"/>
+            <c:showVal val="1"/>
+            <c:showCatName val="0"/>
+            <c:showSerName val="0"/>
+            <c:showPercent val="0"/>
+            <c:showBubbleSize val="0"/>
+            <c:showLeaderLines val="0"/>
+            <c:extLst>
+              <c:ext xmlns:c15="http://schemas.microsoft.com/office/drawing/2012/chart" uri="{CE6537A1-D6FC-4f65-9D91-7224C49458BB}">
+                <c15:showLeaderLines val="1"/>
+                <c15:leaderLines>
+                  <c:spPr>
+                    <a:ln w="9525" cap="flat" cmpd="sng" algn="ctr">
+                      <a:solidFill>
+                        <a:schemeClr val="tx1">
+                          <a:lumMod val="35000"/>
+                          <a:lumOff val="65000"/>
+                        </a:schemeClr>
+                      </a:solidFill>
+                      <a:round/>
+                    </a:ln>
+                    <a:effectLst/>
+                  </c:spPr>
+                </c15:leaderLines>
+              </c:ext>
+            </c:extLst>
+          </c:dLbls>
+          <c:cat>
+            <c:strRef>
+              <c:f>Sheet1!$A$2:$A$8</c:f>
+              <c:strCache>
+                <c:ptCount val="6"/>
+                <c:pt idx="0">
+                  <c:v>Merge Sort</c:v>
+                </c:pt>
+                <c:pt idx="1">
+                  <c:v>Radix Sort </c:v>
+                </c:pt>
+                <c:pt idx="2">
+                  <c:v>Heap Sort</c:v>
+                </c:pt>
+                <c:pt idx="3">
+                  <c:v>Insertion Sort</c:v>
+                </c:pt>
+                <c:pt idx="4">
+                  <c:v>Bubble Sort</c:v>
+                </c:pt>
+                <c:pt idx="5">
+                  <c:v> Shell Sort</c:v>
+                </c:pt>
+              </c:strCache>
+            </c:strRef>
+          </c:cat>
+          <c:val>
+            <c:numRef>
+              <c:f>Sheet1!$C$2:$C$8</c:f>
+              <c:numCache>
+                <c:formatCode>General</c:formatCode>
+                <c:ptCount val="7"/>
+                <c:pt idx="0">
+                  <c:v>0.03</c:v>
+                </c:pt>
+                <c:pt idx="1">
+                  <c:v>0</c:v>
+                </c:pt>
+                <c:pt idx="2">
+                  <c:v>0.05</c:v>
+                </c:pt>
+                <c:pt idx="3">
+                  <c:v>2.88</c:v>
+                </c:pt>
+                <c:pt idx="4">
+                  <c:v>6.6</c:v>
+                </c:pt>
+                <c:pt idx="5">
+                  <c:v>0.02</c:v>
+                </c:pt>
+              </c:numCache>
+            </c:numRef>
+          </c:val>
+          <c:extLst>
+            <c:ext xmlns:c16="http://schemas.microsoft.com/office/drawing/2014/chart" uri="{C3380CC4-5D6E-409C-BE32-E72D297353CC}">
+              <c16:uniqueId val="{00000001-5DF3-4103-A137-7961B778ACE8}"/>
+            </c:ext>
+          </c:extLst>
+        </c:ser>
+        <c:ser>
+          <c:idx val="2"/>
+          <c:order val="2"/>
+          <c:tx>
+            <c:strRef>
+              <c:f>Sheet1!$D$1</c:f>
+              <c:strCache>
+                <c:ptCount val="1"/>
+                <c:pt idx="0">
+                  <c:v>Max = 1000</c:v>
+                </c:pt>
+              </c:strCache>
+            </c:strRef>
+          </c:tx>
+          <c:spPr>
+            <a:solidFill>
+              <a:schemeClr val="accent3"/>
+            </a:solidFill>
+            <a:ln>
+              <a:noFill/>
+            </a:ln>
+            <a:effectLst/>
+            <a:sp3d/>
+          </c:spPr>
+          <c:invertIfNegative val="0"/>
+          <c:dLbls>
+            <c:spPr>
+              <a:noFill/>
+              <a:ln>
+                <a:noFill/>
+              </a:ln>
+              <a:effectLst/>
+            </c:spPr>
+            <c:txPr>
+              <a:bodyPr rot="0" spcFirstLastPara="1" vertOverflow="ellipsis" vert="horz" wrap="square" lIns="38100" tIns="19050" rIns="38100" bIns="19050" anchor="ctr" anchorCtr="1">
+                <a:spAutoFit/>
+              </a:bodyPr>
+              <a:lstStyle/>
+              <a:p>
+                <a:pPr>
+                  <a:defRPr sz="1197" b="0" i="0" u="none" strike="noStrike" kern="1200" baseline="0">
+                    <a:solidFill>
+                      <a:schemeClr val="tx1">
+                        <a:lumMod val="75000"/>
+                        <a:lumOff val="25000"/>
+                      </a:schemeClr>
+                    </a:solidFill>
+                    <a:latin typeface="+mn-lt"/>
+                    <a:ea typeface="+mn-ea"/>
+                    <a:cs typeface="+mn-cs"/>
+                  </a:defRPr>
+                </a:pPr>
+                <a:endParaRPr lang="en-US"/>
+              </a:p>
+            </c:txPr>
+            <c:showLegendKey val="0"/>
+            <c:showVal val="1"/>
+            <c:showCatName val="0"/>
+            <c:showSerName val="0"/>
+            <c:showPercent val="0"/>
+            <c:showBubbleSize val="0"/>
+            <c:showLeaderLines val="0"/>
+            <c:extLst>
+              <c:ext xmlns:c15="http://schemas.microsoft.com/office/drawing/2012/chart" uri="{CE6537A1-D6FC-4f65-9D91-7224C49458BB}">
+                <c15:showLeaderLines val="1"/>
+                <c15:leaderLines>
+                  <c:spPr>
+                    <a:ln w="9525" cap="flat" cmpd="sng" algn="ctr">
+                      <a:solidFill>
+                        <a:schemeClr val="tx1">
+                          <a:lumMod val="35000"/>
+                          <a:lumOff val="65000"/>
+                        </a:schemeClr>
+                      </a:solidFill>
+                      <a:round/>
+                    </a:ln>
+                    <a:effectLst/>
+                  </c:spPr>
+                </c15:leaderLines>
+              </c:ext>
+            </c:extLst>
+          </c:dLbls>
+          <c:cat>
+            <c:strRef>
+              <c:f>Sheet1!$A$2:$A$8</c:f>
+              <c:strCache>
+                <c:ptCount val="6"/>
+                <c:pt idx="0">
+                  <c:v>Merge Sort</c:v>
+                </c:pt>
+                <c:pt idx="1">
+                  <c:v>Radix Sort </c:v>
+                </c:pt>
+                <c:pt idx="2">
+                  <c:v>Heap Sort</c:v>
+                </c:pt>
+                <c:pt idx="3">
+                  <c:v>Insertion Sort</c:v>
+                </c:pt>
+                <c:pt idx="4">
+                  <c:v>Bubble Sort</c:v>
+                </c:pt>
+                <c:pt idx="5">
+                  <c:v> Shell Sort</c:v>
+                </c:pt>
+              </c:strCache>
+            </c:strRef>
+          </c:cat>
+          <c:val>
+            <c:numRef>
+              <c:f>Sheet1!$D$2:$D$8</c:f>
+              <c:numCache>
+                <c:formatCode>General</c:formatCode>
+                <c:ptCount val="7"/>
+                <c:pt idx="0">
+                  <c:v>0.02</c:v>
+                </c:pt>
+                <c:pt idx="1">
+                  <c:v>1.6E-2</c:v>
+                </c:pt>
+                <c:pt idx="2">
+                  <c:v>4.7E-2</c:v>
+                </c:pt>
+                <c:pt idx="3">
+                  <c:v>3.46</c:v>
+                </c:pt>
+                <c:pt idx="4">
+                  <c:v>11.18</c:v>
+                </c:pt>
+                <c:pt idx="5">
+                  <c:v>0.06</c:v>
+                </c:pt>
+              </c:numCache>
+            </c:numRef>
+          </c:val>
+          <c:extLst>
+            <c:ext xmlns:c16="http://schemas.microsoft.com/office/drawing/2014/chart" uri="{C3380CC4-5D6E-409C-BE32-E72D297353CC}">
+              <c16:uniqueId val="{00000002-5DF3-4103-A137-7961B778ACE8}"/>
+            </c:ext>
+          </c:extLst>
+        </c:ser>
+        <c:ser>
+          <c:idx val="3"/>
+          <c:order val="3"/>
+          <c:tx>
+            <c:strRef>
+              <c:f>Sheet1!$E$1</c:f>
+              <c:strCache>
+                <c:ptCount val="1"/>
+                <c:pt idx="0">
+                  <c:v>Max = 10000</c:v>
+                </c:pt>
+              </c:strCache>
+            </c:strRef>
+          </c:tx>
+          <c:spPr>
+            <a:solidFill>
+              <a:schemeClr val="accent4"/>
+            </a:solidFill>
+            <a:ln>
+              <a:noFill/>
+            </a:ln>
+            <a:effectLst/>
+            <a:sp3d/>
+          </c:spPr>
+          <c:invertIfNegative val="0"/>
+          <c:dLbls>
+            <c:spPr>
+              <a:noFill/>
+              <a:ln>
+                <a:noFill/>
+              </a:ln>
+              <a:effectLst/>
+            </c:spPr>
+            <c:txPr>
+              <a:bodyPr rot="0" spcFirstLastPara="1" vertOverflow="ellipsis" vert="horz" wrap="square" lIns="38100" tIns="19050" rIns="38100" bIns="19050" anchor="ctr" anchorCtr="1">
+                <a:spAutoFit/>
+              </a:bodyPr>
+              <a:lstStyle/>
+              <a:p>
+                <a:pPr>
+                  <a:defRPr sz="1197" b="0" i="0" u="none" strike="noStrike" kern="1200" baseline="0">
+                    <a:solidFill>
+                      <a:schemeClr val="tx1">
+                        <a:lumMod val="75000"/>
+                        <a:lumOff val="25000"/>
+                      </a:schemeClr>
+                    </a:solidFill>
+                    <a:latin typeface="+mn-lt"/>
+                    <a:ea typeface="+mn-ea"/>
+                    <a:cs typeface="+mn-cs"/>
+                  </a:defRPr>
+                </a:pPr>
+                <a:endParaRPr lang="en-US"/>
+              </a:p>
+            </c:txPr>
+            <c:showLegendKey val="0"/>
+            <c:showVal val="1"/>
+            <c:showCatName val="0"/>
+            <c:showSerName val="0"/>
+            <c:showPercent val="0"/>
+            <c:showBubbleSize val="0"/>
+            <c:showLeaderLines val="0"/>
+            <c:extLst>
+              <c:ext xmlns:c15="http://schemas.microsoft.com/office/drawing/2012/chart" uri="{CE6537A1-D6FC-4f65-9D91-7224C49458BB}">
+                <c15:showLeaderLines val="1"/>
+                <c15:leaderLines>
+                  <c:spPr>
+                    <a:ln w="9525" cap="flat" cmpd="sng" algn="ctr">
+                      <a:solidFill>
+                        <a:schemeClr val="tx1">
+                          <a:lumMod val="35000"/>
+                          <a:lumOff val="65000"/>
+                        </a:schemeClr>
+                      </a:solidFill>
+                      <a:round/>
+                    </a:ln>
+                    <a:effectLst/>
+                  </c:spPr>
+                </c15:leaderLines>
+              </c:ext>
+            </c:extLst>
+          </c:dLbls>
+          <c:cat>
+            <c:strRef>
+              <c:f>Sheet1!$A$2:$A$8</c:f>
+              <c:strCache>
+                <c:ptCount val="6"/>
+                <c:pt idx="0">
+                  <c:v>Merge Sort</c:v>
+                </c:pt>
+                <c:pt idx="1">
+                  <c:v>Radix Sort </c:v>
+                </c:pt>
+                <c:pt idx="2">
+                  <c:v>Heap Sort</c:v>
+                </c:pt>
+                <c:pt idx="3">
+                  <c:v>Insertion Sort</c:v>
+                </c:pt>
+                <c:pt idx="4">
+                  <c:v>Bubble Sort</c:v>
+                </c:pt>
+                <c:pt idx="5">
+                  <c:v> Shell Sort</c:v>
+                </c:pt>
+              </c:strCache>
+            </c:strRef>
+          </c:cat>
+          <c:val>
+            <c:numRef>
+              <c:f>Sheet1!$E$2:$E$8</c:f>
+              <c:numCache>
+                <c:formatCode>General</c:formatCode>
+                <c:ptCount val="7"/>
+                <c:pt idx="0">
+                  <c:v>0.04</c:v>
+                </c:pt>
+                <c:pt idx="1">
+                  <c:v>1.6E-2</c:v>
+                </c:pt>
+                <c:pt idx="2">
+                  <c:v>0.06</c:v>
+                </c:pt>
+                <c:pt idx="3">
+                  <c:v>3.14</c:v>
+                </c:pt>
+                <c:pt idx="4">
+                  <c:v>6.79</c:v>
+                </c:pt>
+                <c:pt idx="5">
+                  <c:v>0.04</c:v>
+                </c:pt>
+              </c:numCache>
+            </c:numRef>
+          </c:val>
+          <c:extLst>
+            <c:ext xmlns:c16="http://schemas.microsoft.com/office/drawing/2014/chart" uri="{C3380CC4-5D6E-409C-BE32-E72D297353CC}">
+              <c16:uniqueId val="{00000003-5DF3-4103-A137-7961B778ACE8}"/>
+            </c:ext>
+          </c:extLst>
+        </c:ser>
+        <c:ser>
+          <c:idx val="4"/>
+          <c:order val="4"/>
+          <c:tx>
+            <c:strRef>
+              <c:f>Sheet1!$F$1</c:f>
+              <c:strCache>
+                <c:ptCount val="1"/>
+                <c:pt idx="0">
+                  <c:v>Max = 100000</c:v>
+                </c:pt>
+              </c:strCache>
+            </c:strRef>
+          </c:tx>
+          <c:spPr>
+            <a:solidFill>
+              <a:schemeClr val="accent5"/>
+            </a:solidFill>
+            <a:ln>
+              <a:noFill/>
+            </a:ln>
+            <a:effectLst/>
+            <a:sp3d/>
+          </c:spPr>
+          <c:invertIfNegative val="0"/>
+          <c:dLbls>
+            <c:spPr>
+              <a:noFill/>
+              <a:ln>
+                <a:noFill/>
+              </a:ln>
+              <a:effectLst/>
+            </c:spPr>
+            <c:txPr>
+              <a:bodyPr rot="0" spcFirstLastPara="1" vertOverflow="ellipsis" vert="horz" wrap="square" lIns="38100" tIns="19050" rIns="38100" bIns="19050" anchor="ctr" anchorCtr="1">
+                <a:spAutoFit/>
+              </a:bodyPr>
+              <a:lstStyle/>
+              <a:p>
+                <a:pPr>
+                  <a:defRPr sz="1197" b="0" i="0" u="none" strike="noStrike" kern="1200" baseline="0">
+                    <a:solidFill>
+                      <a:schemeClr val="tx1">
+                        <a:lumMod val="75000"/>
+                        <a:lumOff val="25000"/>
+                      </a:schemeClr>
+                    </a:solidFill>
+                    <a:latin typeface="+mn-lt"/>
+                    <a:ea typeface="+mn-ea"/>
+                    <a:cs typeface="+mn-cs"/>
+                  </a:defRPr>
+                </a:pPr>
+                <a:endParaRPr lang="en-US"/>
+              </a:p>
+            </c:txPr>
+            <c:showLegendKey val="0"/>
+            <c:showVal val="1"/>
+            <c:showCatName val="0"/>
+            <c:showSerName val="0"/>
+            <c:showPercent val="0"/>
+            <c:showBubbleSize val="0"/>
+            <c:showLeaderLines val="0"/>
+            <c:extLst>
+              <c:ext xmlns:c15="http://schemas.microsoft.com/office/drawing/2012/chart" uri="{CE6537A1-D6FC-4f65-9D91-7224C49458BB}">
+                <c15:showLeaderLines val="1"/>
+                <c15:leaderLines>
+                  <c:spPr>
+                    <a:ln w="9525" cap="flat" cmpd="sng" algn="ctr">
+                      <a:solidFill>
+                        <a:schemeClr val="tx1">
+                          <a:lumMod val="35000"/>
+                          <a:lumOff val="65000"/>
+                        </a:schemeClr>
+                      </a:solidFill>
+                      <a:round/>
+                    </a:ln>
+                    <a:effectLst/>
+                  </c:spPr>
+                </c15:leaderLines>
+              </c:ext>
+            </c:extLst>
+          </c:dLbls>
+          <c:cat>
+            <c:strRef>
+              <c:f>Sheet1!$A$2:$A$8</c:f>
+              <c:strCache>
+                <c:ptCount val="6"/>
+                <c:pt idx="0">
+                  <c:v>Merge Sort</c:v>
+                </c:pt>
+                <c:pt idx="1">
+                  <c:v>Radix Sort </c:v>
+                </c:pt>
+                <c:pt idx="2">
+                  <c:v>Heap Sort</c:v>
+                </c:pt>
+                <c:pt idx="3">
+                  <c:v>Insertion Sort</c:v>
+                </c:pt>
+                <c:pt idx="4">
+                  <c:v>Bubble Sort</c:v>
+                </c:pt>
+                <c:pt idx="5">
+                  <c:v> Shell Sort</c:v>
+                </c:pt>
+              </c:strCache>
+            </c:strRef>
+          </c:cat>
+          <c:val>
+            <c:numRef>
+              <c:f>Sheet1!$F$2:$F$8</c:f>
+              <c:numCache>
+                <c:formatCode>General</c:formatCode>
+                <c:ptCount val="7"/>
+                <c:pt idx="0">
+                  <c:v>3.3000000000000002E-2</c:v>
+                </c:pt>
+                <c:pt idx="1">
+                  <c:v>3.3000000000000002E-2</c:v>
+                </c:pt>
+                <c:pt idx="2">
+                  <c:v>0.04</c:v>
+                </c:pt>
+                <c:pt idx="3">
+                  <c:v>3.05</c:v>
+                </c:pt>
+                <c:pt idx="4">
+                  <c:v>6.97</c:v>
+                </c:pt>
+                <c:pt idx="5">
+                  <c:v>4.5999999999999999E-2</c:v>
+                </c:pt>
+              </c:numCache>
+            </c:numRef>
+          </c:val>
+          <c:extLst>
+            <c:ext xmlns:c16="http://schemas.microsoft.com/office/drawing/2014/chart" uri="{C3380CC4-5D6E-409C-BE32-E72D297353CC}">
+              <c16:uniqueId val="{00000004-5DF3-4103-A137-7961B778ACE8}"/>
+            </c:ext>
+          </c:extLst>
+        </c:ser>
+        <c:ser>
+          <c:idx val="5"/>
+          <c:order val="5"/>
+          <c:tx>
+            <c:strRef>
+              <c:f>Sheet1!$G$1</c:f>
+              <c:strCache>
+                <c:ptCount val="1"/>
+                <c:pt idx="0">
+                  <c:v>Max = 1000000</c:v>
+                </c:pt>
+              </c:strCache>
+            </c:strRef>
+          </c:tx>
+          <c:spPr>
+            <a:solidFill>
+              <a:schemeClr val="accent6"/>
+            </a:solidFill>
+            <a:ln>
+              <a:noFill/>
+            </a:ln>
+            <a:effectLst/>
+            <a:sp3d/>
+          </c:spPr>
+          <c:invertIfNegative val="0"/>
+          <c:dLbls>
+            <c:spPr>
+              <a:noFill/>
+              <a:ln>
+                <a:noFill/>
+              </a:ln>
+              <a:effectLst/>
+            </c:spPr>
+            <c:txPr>
+              <a:bodyPr rot="0" spcFirstLastPara="1" vertOverflow="ellipsis" vert="horz" wrap="square" lIns="38100" tIns="19050" rIns="38100" bIns="19050" anchor="ctr" anchorCtr="1">
+                <a:spAutoFit/>
+              </a:bodyPr>
+              <a:lstStyle/>
+              <a:p>
+                <a:pPr>
+                  <a:defRPr sz="1197" b="0" i="0" u="none" strike="noStrike" kern="1200" baseline="0">
+                    <a:solidFill>
+                      <a:schemeClr val="tx1">
+                        <a:lumMod val="75000"/>
+                        <a:lumOff val="25000"/>
+                      </a:schemeClr>
+                    </a:solidFill>
+                    <a:latin typeface="+mn-lt"/>
+                    <a:ea typeface="+mn-ea"/>
+                    <a:cs typeface="+mn-cs"/>
+                  </a:defRPr>
+                </a:pPr>
+                <a:endParaRPr lang="en-US"/>
+              </a:p>
+            </c:txPr>
+            <c:showLegendKey val="0"/>
+            <c:showVal val="1"/>
+            <c:showCatName val="0"/>
+            <c:showSerName val="0"/>
+            <c:showPercent val="0"/>
+            <c:showBubbleSize val="0"/>
+            <c:showLeaderLines val="0"/>
+            <c:extLst>
+              <c:ext xmlns:c15="http://schemas.microsoft.com/office/drawing/2012/chart" uri="{CE6537A1-D6FC-4f65-9D91-7224C49458BB}">
+                <c15:showLeaderLines val="1"/>
+                <c15:leaderLines>
+                  <c:spPr>
+                    <a:ln w="9525" cap="flat" cmpd="sng" algn="ctr">
+                      <a:solidFill>
+                        <a:schemeClr val="tx1">
+                          <a:lumMod val="35000"/>
+                          <a:lumOff val="65000"/>
+                        </a:schemeClr>
+                      </a:solidFill>
+                      <a:round/>
+                    </a:ln>
+                    <a:effectLst/>
+                  </c:spPr>
+                </c15:leaderLines>
+              </c:ext>
+            </c:extLst>
+          </c:dLbls>
+          <c:cat>
+            <c:strRef>
+              <c:f>Sheet1!$A$2:$A$8</c:f>
+              <c:strCache>
+                <c:ptCount val="6"/>
+                <c:pt idx="0">
+                  <c:v>Merge Sort</c:v>
+                </c:pt>
+                <c:pt idx="1">
+                  <c:v>Radix Sort </c:v>
+                </c:pt>
+                <c:pt idx="2">
+                  <c:v>Heap Sort</c:v>
+                </c:pt>
+                <c:pt idx="3">
+                  <c:v>Insertion Sort</c:v>
+                </c:pt>
+                <c:pt idx="4">
+                  <c:v>Bubble Sort</c:v>
+                </c:pt>
+                <c:pt idx="5">
+                  <c:v> Shell Sort</c:v>
+                </c:pt>
+              </c:strCache>
+            </c:strRef>
+          </c:cat>
+          <c:val>
+            <c:numRef>
+              <c:f>Sheet1!$G$2:$G$8</c:f>
+              <c:numCache>
+                <c:formatCode>General</c:formatCode>
+                <c:ptCount val="7"/>
+                <c:pt idx="0">
+                  <c:v>3.5999999999999997E-2</c:v>
+                </c:pt>
+                <c:pt idx="1">
+                  <c:v>0.01</c:v>
+                </c:pt>
+                <c:pt idx="2">
+                  <c:v>0.04</c:v>
+                </c:pt>
+                <c:pt idx="3">
+                  <c:v>3.125</c:v>
+                </c:pt>
+                <c:pt idx="4">
+                  <c:v>6.88</c:v>
+                </c:pt>
+                <c:pt idx="5">
+                  <c:v>3.1E-2</c:v>
+                </c:pt>
+              </c:numCache>
+            </c:numRef>
+          </c:val>
+          <c:extLst>
+            <c:ext xmlns:c16="http://schemas.microsoft.com/office/drawing/2014/chart" uri="{C3380CC4-5D6E-409C-BE32-E72D297353CC}">
+              <c16:uniqueId val="{00000005-5DF3-4103-A137-7961B778ACE8}"/>
+            </c:ext>
+          </c:extLst>
+        </c:ser>
+        <c:dLbls>
+          <c:showLegendKey val="0"/>
+          <c:showVal val="1"/>
+          <c:showCatName val="0"/>
+          <c:showSerName val="0"/>
+          <c:showPercent val="0"/>
+          <c:showBubbleSize val="0"/>
+        </c:dLbls>
+        <c:gapWidth val="150"/>
+        <c:shape val="box"/>
+        <c:axId val="460539824"/>
+        <c:axId val="460542320"/>
+        <c:axId val="578763616"/>
+      </c:bar3DChart>
+      <c:catAx>
+        <c:axId val="460539824"/>
+        <c:scaling>
+          <c:orientation val="minMax"/>
+        </c:scaling>
+        <c:delete val="0"/>
+        <c:axPos val="b"/>
+        <c:numFmt formatCode="General" sourceLinked="1"/>
+        <c:majorTickMark val="none"/>
+        <c:minorTickMark val="none"/>
+        <c:tickLblPos val="nextTo"/>
+        <c:spPr>
+          <a:noFill/>
+          <a:ln>
+            <a:noFill/>
+          </a:ln>
+          <a:effectLst/>
+        </c:spPr>
+        <c:txPr>
+          <a:bodyPr rot="-60000000" spcFirstLastPara="1" vertOverflow="ellipsis" vert="horz" wrap="square" anchor="ctr" anchorCtr="1"/>
+          <a:lstStyle/>
+          <a:p>
+            <a:pPr>
+              <a:defRPr sz="1197" b="0" i="0" u="none" strike="noStrike" kern="1200" baseline="0">
+                <a:solidFill>
+                  <a:schemeClr val="tx1">
+                    <a:lumMod val="65000"/>
+                    <a:lumOff val="35000"/>
+                  </a:schemeClr>
+                </a:solidFill>
+                <a:latin typeface="+mn-lt"/>
+                <a:ea typeface="+mn-ea"/>
+                <a:cs typeface="+mn-cs"/>
+              </a:defRPr>
+            </a:pPr>
+            <a:endParaRPr lang="en-US"/>
+          </a:p>
+        </c:txPr>
+        <c:crossAx val="460542320"/>
+        <c:crosses val="autoZero"/>
+        <c:auto val="1"/>
+        <c:lblAlgn val="ctr"/>
+        <c:lblOffset val="100"/>
+        <c:noMultiLvlLbl val="0"/>
+      </c:catAx>
+      <c:valAx>
+        <c:axId val="460542320"/>
+        <c:scaling>
+          <c:orientation val="minMax"/>
+        </c:scaling>
+        <c:delete val="0"/>
+        <c:axPos val="l"/>
+        <c:majorGridlines>
+          <c:spPr>
+            <a:ln w="9525" cap="flat" cmpd="sng" algn="ctr">
+              <a:solidFill>
+                <a:schemeClr val="tx1">
+                  <a:lumMod val="15000"/>
+                  <a:lumOff val="85000"/>
+                </a:schemeClr>
+              </a:solidFill>
+              <a:round/>
+            </a:ln>
+            <a:effectLst/>
+          </c:spPr>
+        </c:majorGridlines>
+        <c:numFmt formatCode="General" sourceLinked="1"/>
+        <c:majorTickMark val="none"/>
+        <c:minorTickMark val="none"/>
+        <c:tickLblPos val="nextTo"/>
+        <c:spPr>
+          <a:noFill/>
+          <a:ln>
+            <a:noFill/>
+          </a:ln>
+          <a:effectLst/>
+        </c:spPr>
+        <c:txPr>
+          <a:bodyPr rot="-60000000" spcFirstLastPara="1" vertOverflow="ellipsis" vert="horz" wrap="square" anchor="ctr" anchorCtr="1"/>
+          <a:lstStyle/>
+          <a:p>
+            <a:pPr>
+              <a:defRPr sz="1197" b="0" i="0" u="none" strike="noStrike" kern="1200" baseline="0">
+                <a:solidFill>
+                  <a:schemeClr val="tx1">
+                    <a:lumMod val="65000"/>
+                    <a:lumOff val="35000"/>
+                  </a:schemeClr>
+                </a:solidFill>
+                <a:latin typeface="+mn-lt"/>
+                <a:ea typeface="+mn-ea"/>
+                <a:cs typeface="+mn-cs"/>
+              </a:defRPr>
+            </a:pPr>
+            <a:endParaRPr lang="en-US"/>
+          </a:p>
+        </c:txPr>
+        <c:crossAx val="460539824"/>
+        <c:crosses val="autoZero"/>
+        <c:crossBetween val="between"/>
+      </c:valAx>
+      <c:serAx>
+        <c:axId val="578763616"/>
+        <c:scaling>
+          <c:orientation val="minMax"/>
+        </c:scaling>
+        <c:delete val="0"/>
+        <c:axPos val="b"/>
+        <c:majorTickMark val="out"/>
+        <c:minorTickMark val="none"/>
+        <c:tickLblPos val="nextTo"/>
+        <c:spPr>
+          <a:noFill/>
+          <a:ln>
+            <a:noFill/>
+          </a:ln>
+          <a:effectLst/>
+        </c:spPr>
+        <c:txPr>
+          <a:bodyPr rot="-60000000" spcFirstLastPara="1" vertOverflow="ellipsis" vert="horz" wrap="square" anchor="ctr" anchorCtr="1"/>
+          <a:lstStyle/>
+          <a:p>
+            <a:pPr>
+              <a:defRPr sz="1197" b="0" i="0" u="none" strike="noStrike" kern="1200" baseline="0">
+                <a:solidFill>
+                  <a:schemeClr val="tx1">
+                    <a:lumMod val="65000"/>
+                    <a:lumOff val="35000"/>
+                  </a:schemeClr>
+                </a:solidFill>
+                <a:latin typeface="+mn-lt"/>
+                <a:ea typeface="+mn-ea"/>
+                <a:cs typeface="+mn-cs"/>
+              </a:defRPr>
+            </a:pPr>
+            <a:endParaRPr lang="en-US"/>
+          </a:p>
+        </c:txPr>
+        <c:crossAx val="460542320"/>
+        <c:crosses val="autoZero"/>
+      </c:serAx>
+      <c:spPr>
+        <a:noFill/>
+        <a:ln>
+          <a:noFill/>
+        </a:ln>
+        <a:effectLst/>
+      </c:spPr>
+    </c:plotArea>
+    <c:legend>
+      <c:legendPos val="b"/>
+      <c:overlay val="0"/>
+      <c:spPr>
+        <a:noFill/>
+        <a:ln>
+          <a:noFill/>
+        </a:ln>
+        <a:effectLst/>
+      </c:spPr>
+      <c:txPr>
+        <a:bodyPr rot="0" spcFirstLastPara="1" vertOverflow="ellipsis" vert="horz" wrap="square" anchor="ctr" anchorCtr="1"/>
+        <a:lstStyle/>
+        <a:p>
+          <a:pPr>
+            <a:defRPr sz="1197" b="0" i="0" u="none" strike="noStrike" kern="1200" baseline="0">
+              <a:solidFill>
+                <a:schemeClr val="tx1">
+                  <a:lumMod val="65000"/>
+                  <a:lumOff val="35000"/>
                 </a:schemeClr>
               </a:solidFill>
               <a:latin typeface="+mn-lt"/>
@@ -872,19 +2569,59 @@
 </cs:colorStyle>
 </file>
 
+<file path=ppt/charts/colors2.xml><?xml version="1.0" encoding="utf-8"?>
+<cs:colorStyle xmlns:cs="http://schemas.microsoft.com/office/drawing/2012/chartStyle" xmlns:a="http://schemas.openxmlformats.org/drawingml/2006/main" meth="cycle" id="10">
+  <a:schemeClr val="accent1"/>
+  <a:schemeClr val="accent2"/>
+  <a:schemeClr val="accent3"/>
+  <a:schemeClr val="accent4"/>
+  <a:schemeClr val="accent5"/>
+  <a:schemeClr val="accent6"/>
+  <cs:variation/>
+  <cs:variation>
+    <a:lumMod val="60000"/>
+  </cs:variation>
+  <cs:variation>
+    <a:lumMod val="80000"/>
+    <a:lumOff val="20000"/>
+  </cs:variation>
+  <cs:variation>
+    <a:lumMod val="80000"/>
+  </cs:variation>
+  <cs:variation>
+    <a:lumMod val="60000"/>
+    <a:lumOff val="40000"/>
+  </cs:variation>
+  <cs:variation>
+    <a:lumMod val="50000"/>
+  </cs:variation>
+  <cs:variation>
+    <a:lumMod val="70000"/>
+    <a:lumOff val="30000"/>
+  </cs:variation>
+  <cs:variation>
+    <a:lumMod val="70000"/>
+  </cs:variation>
+  <cs:variation>
+    <a:lumMod val="50000"/>
+    <a:lumOff val="50000"/>
+  </cs:variation>
+</cs:colorStyle>
+</file>
+
 <file path=ppt/charts/style1.xml><?xml version="1.0" encoding="utf-8"?>
-<cs:chartStyle xmlns:cs="http://schemas.microsoft.com/office/drawing/2012/chartStyle" xmlns:a="http://schemas.openxmlformats.org/drawingml/2006/main" id="211">
+<cs:chartStyle xmlns:cs="http://schemas.microsoft.com/office/drawing/2012/chartStyle" xmlns:a="http://schemas.openxmlformats.org/drawingml/2006/main" id="286">
   <cs:axisTitle>
     <cs:lnRef idx="0"/>
     <cs:fillRef idx="0"/>
     <cs:effectRef idx="0"/>
     <cs:fontRef idx="minor">
       <a:schemeClr val="tx1">
-        <a:lumMod val="50000"/>
-        <a:lumOff val="50000"/>
+        <a:lumMod val="65000"/>
+        <a:lumOff val="35000"/>
       </a:schemeClr>
     </cs:fontRef>
-    <cs:defRPr sz="1197" kern="1200"/>
+    <cs:defRPr sz="1330" kern="1200"/>
   </cs:axisTitle>
   <cs:categoryAxis>
     <cs:lnRef idx="0"/>
@@ -892,8 +2629,8 @@
     <cs:effectRef idx="0"/>
     <cs:fontRef idx="minor">
       <a:schemeClr val="tx1">
-        <a:lumMod val="50000"/>
-        <a:lumOff val="50000"/>
+        <a:lumMod val="65000"/>
+        <a:lumOff val="35000"/>
       </a:schemeClr>
     </cs:fontRef>
     <cs:defRPr sz="1197" kern="1200"/>
@@ -903,7 +2640,7 @@
     <cs:fillRef idx="0"/>
     <cs:effectRef idx="0"/>
     <cs:fontRef idx="minor">
-      <a:schemeClr val="dk1"/>
+      <a:schemeClr val="tx1"/>
     </cs:fontRef>
     <cs:spPr>
       <a:solidFill>
@@ -919,7 +2656,7 @@
         <a:round/>
       </a:ln>
     </cs:spPr>
-    <cs:defRPr sz="1197" kern="1200"/>
+    <cs:defRPr sz="1330" kern="1200"/>
   </cs:chartArea>
   <cs:dataLabel>
     <cs:lnRef idx="0"/>
@@ -927,8 +2664,8 @@
     <cs:effectRef idx="0"/>
     <cs:fontRef idx="minor">
       <a:schemeClr val="tx1">
-        <a:lumMod val="65000"/>
-        <a:lumOff val="35000"/>
+        <a:lumMod val="75000"/>
+        <a:lumOff val="25000"/>
       </a:schemeClr>
     </cs:fontRef>
     <cs:defRPr sz="1197" kern="1200"/>
@@ -938,68 +2675,57 @@
     <cs:fillRef idx="0"/>
     <cs:effectRef idx="0"/>
     <cs:fontRef idx="minor">
-      <a:schemeClr val="bg1"/>
+      <a:schemeClr val="dk1">
+        <a:lumMod val="65000"/>
+        <a:lumOff val="35000"/>
+      </a:schemeClr>
     </cs:fontRef>
     <cs:spPr>
       <a:solidFill>
-        <a:schemeClr val="tx1">
-          <a:lumMod val="35000"/>
-          <a:lumOff val="65000"/>
-        </a:schemeClr>
+        <a:schemeClr val="lt1"/>
       </a:solidFill>
+      <a:ln>
+        <a:solidFill>
+          <a:schemeClr val="dk1">
+            <a:lumMod val="25000"/>
+            <a:lumOff val="75000"/>
+          </a:schemeClr>
+        </a:solidFill>
+      </a:ln>
     </cs:spPr>
-    <cs:defRPr sz="1197"/>
+    <cs:defRPr sz="1197" kern="1200"/>
     <cs:bodyPr rot="0" spcFirstLastPara="1" vertOverflow="clip" horzOverflow="clip" vert="horz" wrap="square" lIns="36576" tIns="18288" rIns="36576" bIns="18288" anchor="ctr" anchorCtr="1">
       <a:spAutoFit/>
     </cs:bodyPr>
   </cs:dataLabelCallout>
   <cs:dataPoint>
-    <cs:lnRef idx="0">
-      <cs:styleClr val="auto"/>
-    </cs:lnRef>
-    <cs:fillRef idx="0"/>
-    <cs:effectRef idx="0"/>
-    <cs:fontRef idx="minor">
-      <a:schemeClr val="dk1"/>
-    </cs:fontRef>
-    <cs:spPr>
-      <a:noFill/>
-      <a:ln w="25400" cap="flat" cmpd="sng" algn="ctr">
-        <a:solidFill>
-          <a:schemeClr val="phClr"/>
-        </a:solidFill>
-        <a:miter lim="800000"/>
-      </a:ln>
-    </cs:spPr>
-  </cs:dataPoint>
-  <cs:dataPoint3D>
-    <cs:lnRef idx="0">
-      <cs:styleClr val="auto"/>
-    </cs:lnRef>
-    <cs:fillRef idx="0">
+    <cs:lnRef idx="0"/>
+    <cs:fillRef idx="1">
       <cs:styleClr val="auto"/>
     </cs:fillRef>
     <cs:effectRef idx="0"/>
     <cs:fontRef idx="minor">
-      <a:schemeClr val="dk1"/>
+      <a:schemeClr val="tx1"/>
     </cs:fontRef>
-    <cs:spPr>
-      <a:ln w="19050" cap="flat" cmpd="sng" algn="ctr">
-        <a:solidFill>
-          <a:schemeClr val="phClr"/>
-        </a:solidFill>
-        <a:miter lim="800000"/>
-      </a:ln>
-    </cs:spPr>
+  </cs:dataPoint>
+  <cs:dataPoint3D>
+    <cs:lnRef idx="0"/>
+    <cs:fillRef idx="1">
+      <cs:styleClr val="auto"/>
+    </cs:fillRef>
+    <cs:effectRef idx="0"/>
+    <cs:fontRef idx="minor">
+      <a:schemeClr val="tx1"/>
+    </cs:fontRef>
   </cs:dataPoint3D>
   <cs:dataPointLine>
     <cs:lnRef idx="0">
       <cs:styleClr val="auto"/>
     </cs:lnRef>
-    <cs:fillRef idx="0"/>
+    <cs:fillRef idx="1"/>
     <cs:effectRef idx="0"/>
     <cs:fontRef idx="minor">
-      <a:schemeClr val="dk1"/>
+      <a:schemeClr val="tx1"/>
     </cs:fontRef>
     <cs:spPr>
       <a:ln w="28575" cap="rnd">
@@ -1014,28 +2740,9 @@
     <cs:lnRef idx="0">
       <cs:styleClr val="auto"/>
     </cs:lnRef>
-    <cs:fillRef idx="0">
+    <cs:fillRef idx="1">
       <cs:styleClr val="auto"/>
     </cs:fillRef>
-    <cs:effectRef idx="0"/>
-    <cs:fontRef idx="minor">
-      <a:schemeClr val="dk1"/>
-    </cs:fontRef>
-    <cs:spPr>
-      <a:ln w="19050" cap="rnd">
-        <a:solidFill>
-          <a:schemeClr val="phClr"/>
-        </a:solidFill>
-        <a:round/>
-      </a:ln>
-    </cs:spPr>
-  </cs:dataPointMarker>
-  <cs:dataPointMarkerLayout symbol="circle" size="6"/>
-  <cs:dataPointWireframe>
-    <cs:lnRef idx="0">
-      <cs:styleClr val="auto"/>
-    </cs:lnRef>
-    <cs:fillRef idx="1"/>
     <cs:effectRef idx="0"/>
     <cs:fontRef idx="minor">
       <a:schemeClr val="tx1"/>
@@ -1047,6 +2754,25 @@
         </a:solidFill>
       </a:ln>
     </cs:spPr>
+  </cs:dataPointMarker>
+  <cs:dataPointMarkerLayout symbol="circle" size="5"/>
+  <cs:dataPointWireframe>
+    <cs:lnRef idx="0">
+      <cs:styleClr val="auto"/>
+    </cs:lnRef>
+    <cs:fillRef idx="1"/>
+    <cs:effectRef idx="0"/>
+    <cs:fontRef idx="minor">
+      <a:schemeClr val="tx1"/>
+    </cs:fontRef>
+    <cs:spPr>
+      <a:ln w="9525" cap="rnd">
+        <a:solidFill>
+          <a:schemeClr val="phClr"/>
+        </a:solidFill>
+        <a:round/>
+      </a:ln>
+    </cs:spPr>
   </cs:dataPointWireframe>
   <cs:dataTable>
     <cs:lnRef idx="0"/>
@@ -1054,18 +2780,20 @@
     <cs:effectRef idx="0"/>
     <cs:fontRef idx="minor">
       <a:schemeClr val="tx1">
-        <a:lumMod val="50000"/>
-        <a:lumOff val="50000"/>
+        <a:lumMod val="65000"/>
+        <a:lumOff val="35000"/>
       </a:schemeClr>
     </cs:fontRef>
     <cs:spPr>
-      <a:ln w="9525">
+      <a:noFill/>
+      <a:ln w="9525" cap="flat" cmpd="sng" algn="ctr">
         <a:solidFill>
           <a:schemeClr val="tx1">
             <a:lumMod val="15000"/>
             <a:lumOff val="85000"/>
           </a:schemeClr>
         </a:solidFill>
+        <a:round/>
       </a:ln>
     </cs:spPr>
     <cs:defRPr sz="1197" kern="1200"/>
@@ -1075,7 +2803,7 @@
     <cs:fillRef idx="0"/>
     <cs:effectRef idx="0"/>
     <cs:fontRef idx="minor">
-      <a:schemeClr val="dk1"/>
+      <a:schemeClr val="tx1"/>
     </cs:fontRef>
     <cs:spPr>
       <a:solidFill>
@@ -1087,8 +2815,8 @@
       <a:ln w="9525" cap="flat" cmpd="sng" algn="ctr">
         <a:solidFill>
           <a:schemeClr val="tx1">
-            <a:lumMod val="50000"/>
-            <a:lumOff val="50000"/>
+            <a:lumMod val="65000"/>
+            <a:lumOff val="35000"/>
           </a:schemeClr>
         </a:solidFill>
         <a:round/>
@@ -1100,7 +2828,7 @@
     <cs:fillRef idx="0"/>
     <cs:effectRef idx="0"/>
     <cs:fontRef idx="minor">
-      <a:schemeClr val="dk1"/>
+      <a:schemeClr val="tx1"/>
     </cs:fontRef>
     <cs:spPr>
       <a:ln w="9525" cap="flat" cmpd="sng" algn="ctr">
@@ -1119,7 +2847,78 @@
     <cs:fillRef idx="0"/>
     <cs:effectRef idx="0"/>
     <cs:fontRef idx="minor">
-      <a:schemeClr val="dk1"/>
+      <a:schemeClr val="tx1"/>
+    </cs:fontRef>
+    <cs:spPr>
+      <a:ln w="9525" cap="flat" cmpd="sng" algn="ctr">
+        <a:solidFill>
+          <a:schemeClr val="tx1">
+            <a:lumMod val="65000"/>
+            <a:lumOff val="35000"/>
+          </a:schemeClr>
+        </a:solidFill>
+        <a:round/>
+      </a:ln>
+    </cs:spPr>
+  </cs:errorBar>
+  <cs:floor>
+    <cs:lnRef idx="0"/>
+    <cs:fillRef idx="0"/>
+    <cs:effectRef idx="0"/>
+    <cs:fontRef idx="minor">
+      <a:schemeClr val="tx1"/>
+    </cs:fontRef>
+    <cs:spPr>
+      <a:noFill/>
+      <a:ln>
+        <a:noFill/>
+      </a:ln>
+    </cs:spPr>
+  </cs:floor>
+  <cs:gridlineMajor>
+    <cs:lnRef idx="0"/>
+    <cs:fillRef idx="0"/>
+    <cs:effectRef idx="0"/>
+    <cs:fontRef idx="minor">
+      <a:schemeClr val="tx1"/>
+    </cs:fontRef>
+    <cs:spPr>
+      <a:ln w="9525" cap="flat" cmpd="sng" algn="ctr">
+        <a:solidFill>
+          <a:schemeClr val="tx1">
+            <a:lumMod val="15000"/>
+            <a:lumOff val="85000"/>
+          </a:schemeClr>
+        </a:solidFill>
+        <a:round/>
+      </a:ln>
+    </cs:spPr>
+  </cs:gridlineMajor>
+  <cs:gridlineMinor>
+    <cs:lnRef idx="0"/>
+    <cs:fillRef idx="0"/>
+    <cs:effectRef idx="0"/>
+    <cs:fontRef idx="minor">
+      <a:schemeClr val="tx1"/>
+    </cs:fontRef>
+    <cs:spPr>
+      <a:ln w="9525" cap="flat" cmpd="sng" algn="ctr">
+        <a:solidFill>
+          <a:schemeClr val="tx1">
+            <a:lumMod val="5000"/>
+            <a:lumOff val="95000"/>
+          </a:schemeClr>
+        </a:solidFill>
+        <a:round/>
+      </a:ln>
+    </cs:spPr>
+  </cs:gridlineMinor>
+  <cs:hiLoLine>
+    <cs:lnRef idx="0"/>
+    <cs:fillRef idx="0"/>
+    <cs:effectRef idx="0"/>
+    <cs:fontRef idx="minor">
+      <a:schemeClr val="tx1"/>
     </cs:fontRef>
     <cs:spPr>
       <a:ln w="9525" cap="flat" cmpd="sng" algn="ctr">
@@ -1132,76 +2931,13 @@
         <a:round/>
       </a:ln>
     </cs:spPr>
-  </cs:errorBar>
-  <cs:floor>
-    <cs:lnRef idx="0"/>
-    <cs:fillRef idx="0"/>
-    <cs:effectRef idx="0"/>
-    <cs:fontRef idx="minor">
-      <a:schemeClr val="dk1"/>
-    </cs:fontRef>
-  </cs:floor>
-  <cs:gridlineMajor>
-    <cs:lnRef idx="0"/>
-    <cs:fillRef idx="0"/>
-    <cs:effectRef idx="0"/>
-    <cs:fontRef idx="minor">
-      <a:schemeClr val="dk1"/>
-    </cs:fontRef>
-    <cs:spPr>
-      <a:ln w="9525">
-        <a:solidFill>
-          <a:schemeClr val="tx1">
-            <a:lumMod val="15000"/>
-            <a:lumOff val="85000"/>
-          </a:schemeClr>
-        </a:solidFill>
-      </a:ln>
-    </cs:spPr>
-  </cs:gridlineMajor>
-  <cs:gridlineMinor>
-    <cs:lnRef idx="0"/>
-    <cs:fillRef idx="0"/>
-    <cs:effectRef idx="0"/>
-    <cs:fontRef idx="minor">
-      <a:schemeClr val="dk1"/>
-    </cs:fontRef>
-    <cs:spPr>
-      <a:ln w="9525">
-        <a:solidFill>
-          <a:schemeClr val="tx1">
-            <a:lumMod val="5000"/>
-            <a:lumOff val="95000"/>
-          </a:schemeClr>
-        </a:solidFill>
-      </a:ln>
-    </cs:spPr>
-  </cs:gridlineMinor>
-  <cs:hiLoLine>
-    <cs:lnRef idx="0"/>
-    <cs:fillRef idx="0"/>
-    <cs:effectRef idx="0"/>
-    <cs:fontRef idx="minor">
-      <a:schemeClr val="dk1"/>
-    </cs:fontRef>
-    <cs:spPr>
-      <a:ln w="9525" cap="flat" cmpd="sng" algn="ctr">
-        <a:solidFill>
-          <a:schemeClr val="tx1">
-            <a:lumMod val="35000"/>
-            <a:lumOff val="65000"/>
-          </a:schemeClr>
-        </a:solidFill>
-        <a:round/>
-      </a:ln>
-    </cs:spPr>
   </cs:hiLoLine>
   <cs:leaderLine>
     <cs:lnRef idx="0"/>
     <cs:fillRef idx="0"/>
     <cs:effectRef idx="0"/>
     <cs:fontRef idx="minor">
-      <a:schemeClr val="dk1"/>
+      <a:schemeClr val="tx1"/>
     </cs:fontRef>
     <cs:spPr>
       <a:ln w="9525" cap="flat" cmpd="sng" algn="ctr">
@@ -1221,8 +2957,8 @@
     <cs:effectRef idx="0"/>
     <cs:fontRef idx="minor">
       <a:schemeClr val="tx1">
-        <a:lumMod val="50000"/>
-        <a:lumOff val="50000"/>
+        <a:lumMod val="65000"/>
+        <a:lumOff val="35000"/>
       </a:schemeClr>
     </cs:fontRef>
     <cs:defRPr sz="1197" kern="1200"/>
@@ -1232,7 +2968,7 @@
     <cs:fillRef idx="0"/>
     <cs:effectRef idx="0"/>
     <cs:fontRef idx="minor">
-      <a:schemeClr val="dk1"/>
+      <a:schemeClr val="tx1"/>
     </cs:fontRef>
   </cs:plotArea>
   <cs:plotArea3D mods="allowNoFillOverride allowNoLineOverride">
@@ -1240,7 +2976,7 @@
     <cs:fillRef idx="0"/>
     <cs:effectRef idx="0"/>
     <cs:fontRef idx="minor">
-      <a:schemeClr val="dk1"/>
+      <a:schemeClr val="tx1"/>
     </cs:fontRef>
   </cs:plotArea3D>
   <cs:seriesAxis>
@@ -1249,8 +2985,8 @@
     <cs:effectRef idx="0"/>
     <cs:fontRef idx="minor">
       <a:schemeClr val="tx1">
-        <a:lumMod val="50000"/>
-        <a:lumOff val="50000"/>
+        <a:lumMod val="65000"/>
+        <a:lumOff val="35000"/>
       </a:schemeClr>
     </cs:fontRef>
     <cs:defRPr sz="1197" kern="1200"/>
@@ -1260,7 +2996,7 @@
     <cs:fillRef idx="0"/>
     <cs:effectRef idx="0"/>
     <cs:fontRef idx="minor">
-      <a:schemeClr val="dk1"/>
+      <a:schemeClr val="tx1"/>
     </cs:fontRef>
     <cs:spPr>
       <a:ln w="9525" cap="flat" cmpd="sng" algn="ctr">
@@ -1284,7 +3020,7 @@
         <a:lumOff val="35000"/>
       </a:schemeClr>
     </cs:fontRef>
-    <cs:defRPr sz="2200" b="0" kern="1200" cap="none" spc="50" baseline="0"/>
+    <cs:defRPr sz="1862" b="0" kern="1200" spc="0" baseline="0"/>
   </cs:title>
   <cs:trendline>
     <cs:lnRef idx="0">
@@ -1293,13 +3029,14 @@
     <cs:fillRef idx="0"/>
     <cs:effectRef idx="0"/>
     <cs:fontRef idx="minor">
-      <a:schemeClr val="dk1"/>
+      <a:schemeClr val="tx1"/>
     </cs:fontRef>
     <cs:spPr>
       <a:ln w="19050" cap="rnd">
         <a:solidFill>
           <a:schemeClr val="phClr"/>
         </a:solidFill>
+        <a:prstDash val="sysDot"/>
       </a:ln>
     </cs:spPr>
   </cs:trendline>
@@ -1309,8 +3046,8 @@
     <cs:effectRef idx="0"/>
     <cs:fontRef idx="minor">
       <a:schemeClr val="tx1">
-        <a:lumMod val="50000"/>
-        <a:lumOff val="50000"/>
+        <a:lumMod val="65000"/>
+        <a:lumOff val="35000"/>
       </a:schemeClr>
     </cs:fontRef>
     <cs:defRPr sz="1197" kern="1200"/>
@@ -1320,7 +3057,7 @@
     <cs:fillRef idx="0"/>
     <cs:effectRef idx="0"/>
     <cs:fontRef idx="minor">
-      <a:schemeClr val="dk1"/>
+      <a:schemeClr val="tx1"/>
     </cs:fontRef>
     <cs:spPr>
       <a:solidFill>
@@ -1329,8 +3066,8 @@
       <a:ln w="9525" cap="flat" cmpd="sng" algn="ctr">
         <a:solidFill>
           <a:schemeClr val="tx1">
-            <a:lumMod val="50000"/>
-            <a:lumOff val="50000"/>
+            <a:lumMod val="65000"/>
+            <a:lumOff val="35000"/>
           </a:schemeClr>
         </a:solidFill>
         <a:round/>
@@ -1343,8 +3080,8 @@
     <cs:effectRef idx="0"/>
     <cs:fontRef idx="minor">
       <a:schemeClr val="tx1">
-        <a:lumMod val="50000"/>
-        <a:lumOff val="50000"/>
+        <a:lumMod val="65000"/>
+        <a:lumOff val="35000"/>
       </a:schemeClr>
     </cs:fontRef>
     <cs:defRPr sz="1197" kern="1200"/>
@@ -1354,8 +3091,508 @@
     <cs:fillRef idx="0"/>
     <cs:effectRef idx="0"/>
     <cs:fontRef idx="minor">
-      <a:schemeClr val="dk1"/>
+      <a:schemeClr val="tx1"/>
     </cs:fontRef>
+    <cs:spPr>
+      <a:noFill/>
+      <a:ln>
+        <a:noFill/>
+      </a:ln>
+    </cs:spPr>
+  </cs:wall>
+</cs:chartStyle>
+</file>
+
+<file path=ppt/charts/style2.xml><?xml version="1.0" encoding="utf-8"?>
+<cs:chartStyle xmlns:cs="http://schemas.microsoft.com/office/drawing/2012/chartStyle" xmlns:a="http://schemas.openxmlformats.org/drawingml/2006/main" id="286">
+  <cs:axisTitle>
+    <cs:lnRef idx="0"/>
+    <cs:fillRef idx="0"/>
+    <cs:effectRef idx="0"/>
+    <cs:fontRef idx="minor">
+      <a:schemeClr val="tx1">
+        <a:lumMod val="65000"/>
+        <a:lumOff val="35000"/>
+      </a:schemeClr>
+    </cs:fontRef>
+    <cs:defRPr sz="1330" kern="1200"/>
+  </cs:axisTitle>
+  <cs:categoryAxis>
+    <cs:lnRef idx="0"/>
+    <cs:fillRef idx="0"/>
+    <cs:effectRef idx="0"/>
+    <cs:fontRef idx="minor">
+      <a:schemeClr val="tx1">
+        <a:lumMod val="65000"/>
+        <a:lumOff val="35000"/>
+      </a:schemeClr>
+    </cs:fontRef>
+    <cs:defRPr sz="1197" kern="1200"/>
+  </cs:categoryAxis>
+  <cs:chartArea mods="allowNoFillOverride allowNoLineOverride">
+    <cs:lnRef idx="0"/>
+    <cs:fillRef idx="0"/>
+    <cs:effectRef idx="0"/>
+    <cs:fontRef idx="minor">
+      <a:schemeClr val="tx1"/>
+    </cs:fontRef>
+    <cs:spPr>
+      <a:solidFill>
+        <a:schemeClr val="bg1"/>
+      </a:solidFill>
+      <a:ln w="9525" cap="flat" cmpd="sng" algn="ctr">
+        <a:solidFill>
+          <a:schemeClr val="tx1">
+            <a:lumMod val="15000"/>
+            <a:lumOff val="85000"/>
+          </a:schemeClr>
+        </a:solidFill>
+        <a:round/>
+      </a:ln>
+    </cs:spPr>
+    <cs:defRPr sz="1330" kern="1200"/>
+  </cs:chartArea>
+  <cs:dataLabel>
+    <cs:lnRef idx="0"/>
+    <cs:fillRef idx="0"/>
+    <cs:effectRef idx="0"/>
+    <cs:fontRef idx="minor">
+      <a:schemeClr val="tx1">
+        <a:lumMod val="75000"/>
+        <a:lumOff val="25000"/>
+      </a:schemeClr>
+    </cs:fontRef>
+    <cs:defRPr sz="1197" kern="1200"/>
+  </cs:dataLabel>
+  <cs:dataLabelCallout>
+    <cs:lnRef idx="0"/>
+    <cs:fillRef idx="0"/>
+    <cs:effectRef idx="0"/>
+    <cs:fontRef idx="minor">
+      <a:schemeClr val="dk1">
+        <a:lumMod val="65000"/>
+        <a:lumOff val="35000"/>
+      </a:schemeClr>
+    </cs:fontRef>
+    <cs:spPr>
+      <a:solidFill>
+        <a:schemeClr val="lt1"/>
+      </a:solidFill>
+      <a:ln>
+        <a:solidFill>
+          <a:schemeClr val="dk1">
+            <a:lumMod val="25000"/>
+            <a:lumOff val="75000"/>
+          </a:schemeClr>
+        </a:solidFill>
+      </a:ln>
+    </cs:spPr>
+    <cs:defRPr sz="1197" kern="1200"/>
+    <cs:bodyPr rot="0" spcFirstLastPara="1" vertOverflow="clip" horzOverflow="clip" vert="horz" wrap="square" lIns="36576" tIns="18288" rIns="36576" bIns="18288" anchor="ctr" anchorCtr="1">
+      <a:spAutoFit/>
+    </cs:bodyPr>
+  </cs:dataLabelCallout>
+  <cs:dataPoint>
+    <cs:lnRef idx="0"/>
+    <cs:fillRef idx="1">
+      <cs:styleClr val="auto"/>
+    </cs:fillRef>
+    <cs:effectRef idx="0"/>
+    <cs:fontRef idx="minor">
+      <a:schemeClr val="tx1"/>
+    </cs:fontRef>
+  </cs:dataPoint>
+  <cs:dataPoint3D>
+    <cs:lnRef idx="0"/>
+    <cs:fillRef idx="1">
+      <cs:styleClr val="auto"/>
+    </cs:fillRef>
+    <cs:effectRef idx="0"/>
+    <cs:fontRef idx="minor">
+      <a:schemeClr val="tx1"/>
+    </cs:fontRef>
+  </cs:dataPoint3D>
+  <cs:dataPointLine>
+    <cs:lnRef idx="0">
+      <cs:styleClr val="auto"/>
+    </cs:lnRef>
+    <cs:fillRef idx="1"/>
+    <cs:effectRef idx="0"/>
+    <cs:fontRef idx="minor">
+      <a:schemeClr val="tx1"/>
+    </cs:fontRef>
+    <cs:spPr>
+      <a:ln w="28575" cap="rnd">
+        <a:solidFill>
+          <a:schemeClr val="phClr"/>
+        </a:solidFill>
+        <a:round/>
+      </a:ln>
+    </cs:spPr>
+  </cs:dataPointLine>
+  <cs:dataPointMarker>
+    <cs:lnRef idx="0">
+      <cs:styleClr val="auto"/>
+    </cs:lnRef>
+    <cs:fillRef idx="1">
+      <cs:styleClr val="auto"/>
+    </cs:fillRef>
+    <cs:effectRef idx="0"/>
+    <cs:fontRef idx="minor">
+      <a:schemeClr val="tx1"/>
+    </cs:fontRef>
+    <cs:spPr>
+      <a:ln w="9525">
+        <a:solidFill>
+          <a:schemeClr val="phClr"/>
+        </a:solidFill>
+      </a:ln>
+    </cs:spPr>
+  </cs:dataPointMarker>
+  <cs:dataPointMarkerLayout symbol="circle" size="5"/>
+  <cs:dataPointWireframe>
+    <cs:lnRef idx="0">
+      <cs:styleClr val="auto"/>
+    </cs:lnRef>
+    <cs:fillRef idx="1"/>
+    <cs:effectRef idx="0"/>
+    <cs:fontRef idx="minor">
+      <a:schemeClr val="tx1"/>
+    </cs:fontRef>
+    <cs:spPr>
+      <a:ln w="9525" cap="rnd">
+        <a:solidFill>
+          <a:schemeClr val="phClr"/>
+        </a:solidFill>
+        <a:round/>
+      </a:ln>
+    </cs:spPr>
+  </cs:dataPointWireframe>
+  <cs:dataTable>
+    <cs:lnRef idx="0"/>
+    <cs:fillRef idx="0"/>
+    <cs:effectRef idx="0"/>
+    <cs:fontRef idx="minor">
+      <a:schemeClr val="tx1">
+        <a:lumMod val="65000"/>
+        <a:lumOff val="35000"/>
+      </a:schemeClr>
+    </cs:fontRef>
+    <cs:spPr>
+      <a:noFill/>
+      <a:ln w="9525" cap="flat" cmpd="sng" algn="ctr">
+        <a:solidFill>
+          <a:schemeClr val="tx1">
+            <a:lumMod val="15000"/>
+            <a:lumOff val="85000"/>
+          </a:schemeClr>
+        </a:solidFill>
+        <a:round/>
+      </a:ln>
+    </cs:spPr>
+    <cs:defRPr sz="1197" kern="1200"/>
+  </cs:dataTable>
+  <cs:downBar>
+    <cs:lnRef idx="0"/>
+    <cs:fillRef idx="0"/>
+    <cs:effectRef idx="0"/>
+    <cs:fontRef idx="minor">
+      <a:schemeClr val="tx1"/>
+    </cs:fontRef>
+    <cs:spPr>
+      <a:solidFill>
+        <a:schemeClr val="dk1">
+          <a:lumMod val="75000"/>
+          <a:lumOff val="25000"/>
+        </a:schemeClr>
+      </a:solidFill>
+      <a:ln w="9525" cap="flat" cmpd="sng" algn="ctr">
+        <a:solidFill>
+          <a:schemeClr val="tx1">
+            <a:lumMod val="65000"/>
+            <a:lumOff val="35000"/>
+          </a:schemeClr>
+        </a:solidFill>
+        <a:round/>
+      </a:ln>
+    </cs:spPr>
+  </cs:downBar>
+  <cs:dropLine>
+    <cs:lnRef idx="0"/>
+    <cs:fillRef idx="0"/>
+    <cs:effectRef idx="0"/>
+    <cs:fontRef idx="minor">
+      <a:schemeClr val="tx1"/>
+    </cs:fontRef>
+    <cs:spPr>
+      <a:ln w="9525" cap="flat" cmpd="sng" algn="ctr">
+        <a:solidFill>
+          <a:schemeClr val="tx1">
+            <a:lumMod val="35000"/>
+            <a:lumOff val="65000"/>
+          </a:schemeClr>
+        </a:solidFill>
+        <a:round/>
+      </a:ln>
+    </cs:spPr>
+  </cs:dropLine>
+  <cs:errorBar>
+    <cs:lnRef idx="0"/>
+    <cs:fillRef idx="0"/>
+    <cs:effectRef idx="0"/>
+    <cs:fontRef idx="minor">
+      <a:schemeClr val="tx1"/>
+    </cs:fontRef>
+    <cs:spPr>
+      <a:ln w="9525" cap="flat" cmpd="sng" algn="ctr">
+        <a:solidFill>
+          <a:schemeClr val="tx1">
+            <a:lumMod val="65000"/>
+            <a:lumOff val="35000"/>
+          </a:schemeClr>
+        </a:solidFill>
+        <a:round/>
+      </a:ln>
+    </cs:spPr>
+  </cs:errorBar>
+  <cs:floor>
+    <cs:lnRef idx="0"/>
+    <cs:fillRef idx="0"/>
+    <cs:effectRef idx="0"/>
+    <cs:fontRef idx="minor">
+      <a:schemeClr val="tx1"/>
+    </cs:fontRef>
+    <cs:spPr>
+      <a:noFill/>
+      <a:ln>
+        <a:noFill/>
+      </a:ln>
+    </cs:spPr>
+  </cs:floor>
+  <cs:gridlineMajor>
+    <cs:lnRef idx="0"/>
+    <cs:fillRef idx="0"/>
+    <cs:effectRef idx="0"/>
+    <cs:fontRef idx="minor">
+      <a:schemeClr val="tx1"/>
+    </cs:fontRef>
+    <cs:spPr>
+      <a:ln w="9525" cap="flat" cmpd="sng" algn="ctr">
+        <a:solidFill>
+          <a:schemeClr val="tx1">
+            <a:lumMod val="15000"/>
+            <a:lumOff val="85000"/>
+          </a:schemeClr>
+        </a:solidFill>
+        <a:round/>
+      </a:ln>
+    </cs:spPr>
+  </cs:gridlineMajor>
+  <cs:gridlineMinor>
+    <cs:lnRef idx="0"/>
+    <cs:fillRef idx="0"/>
+    <cs:effectRef idx="0"/>
+    <cs:fontRef idx="minor">
+      <a:schemeClr val="tx1"/>
+    </cs:fontRef>
+    <cs:spPr>
+      <a:ln w="9525" cap="flat" cmpd="sng" algn="ctr">
+        <a:solidFill>
+          <a:schemeClr val="tx1">
+            <a:lumMod val="5000"/>
+            <a:lumOff val="95000"/>
+          </a:schemeClr>
+        </a:solidFill>
+        <a:round/>
+      </a:ln>
+    </cs:spPr>
+  </cs:gridlineMinor>
+  <cs:hiLoLine>
+    <cs:lnRef idx="0"/>
+    <cs:fillRef idx="0"/>
+    <cs:effectRef idx="0"/>
+    <cs:fontRef idx="minor">
+      <a:schemeClr val="tx1"/>
+    </cs:fontRef>
+    <cs:spPr>
+      <a:ln w="9525" cap="flat" cmpd="sng" algn="ctr">
+        <a:solidFill>
+          <a:schemeClr val="tx1">
+            <a:lumMod val="50000"/>
+            <a:lumOff val="50000"/>
+          </a:schemeClr>
+        </a:solidFill>
+        <a:round/>
+      </a:ln>
+    </cs:spPr>
+  </cs:hiLoLine>
+  <cs:leaderLine>
+    <cs:lnRef idx="0"/>
+    <cs:fillRef idx="0"/>
+    <cs:effectRef idx="0"/>
+    <cs:fontRef idx="minor">
+      <a:schemeClr val="tx1"/>
+    </cs:fontRef>
+    <cs:spPr>
+      <a:ln w="9525" cap="flat" cmpd="sng" algn="ctr">
+        <a:solidFill>
+          <a:schemeClr val="tx1">
+            <a:lumMod val="35000"/>
+            <a:lumOff val="65000"/>
+          </a:schemeClr>
+        </a:solidFill>
+        <a:round/>
+      </a:ln>
+    </cs:spPr>
+  </cs:leaderLine>
+  <cs:legend>
+    <cs:lnRef idx="0"/>
+    <cs:fillRef idx="0"/>
+    <cs:effectRef idx="0"/>
+    <cs:fontRef idx="minor">
+      <a:schemeClr val="tx1">
+        <a:lumMod val="65000"/>
+        <a:lumOff val="35000"/>
+      </a:schemeClr>
+    </cs:fontRef>
+    <cs:defRPr sz="1197" kern="1200"/>
+  </cs:legend>
+  <cs:plotArea mods="allowNoFillOverride allowNoLineOverride">
+    <cs:lnRef idx="0"/>
+    <cs:fillRef idx="0"/>
+    <cs:effectRef idx="0"/>
+    <cs:fontRef idx="minor">
+      <a:schemeClr val="tx1"/>
+    </cs:fontRef>
+  </cs:plotArea>
+  <cs:plotArea3D mods="allowNoFillOverride allowNoLineOverride">
+    <cs:lnRef idx="0"/>
+    <cs:fillRef idx="0"/>
+    <cs:effectRef idx="0"/>
+    <cs:fontRef idx="minor">
+      <a:schemeClr val="tx1"/>
+    </cs:fontRef>
+  </cs:plotArea3D>
+  <cs:seriesAxis>
+    <cs:lnRef idx="0"/>
+    <cs:fillRef idx="0"/>
+    <cs:effectRef idx="0"/>
+    <cs:fontRef idx="minor">
+      <a:schemeClr val="tx1">
+        <a:lumMod val="65000"/>
+        <a:lumOff val="35000"/>
+      </a:schemeClr>
+    </cs:fontRef>
+    <cs:defRPr sz="1197" kern="1200"/>
+  </cs:seriesAxis>
+  <cs:seriesLine>
+    <cs:lnRef idx="0"/>
+    <cs:fillRef idx="0"/>
+    <cs:effectRef idx="0"/>
+    <cs:fontRef idx="minor">
+      <a:schemeClr val="tx1"/>
+    </cs:fontRef>
+    <cs:spPr>
+      <a:ln w="9525" cap="flat" cmpd="sng" algn="ctr">
+        <a:solidFill>
+          <a:schemeClr val="tx1">
+            <a:lumMod val="35000"/>
+            <a:lumOff val="65000"/>
+          </a:schemeClr>
+        </a:solidFill>
+        <a:round/>
+      </a:ln>
+    </cs:spPr>
+  </cs:seriesLine>
+  <cs:title>
+    <cs:lnRef idx="0"/>
+    <cs:fillRef idx="0"/>
+    <cs:effectRef idx="0"/>
+    <cs:fontRef idx="minor">
+      <a:schemeClr val="tx1">
+        <a:lumMod val="65000"/>
+        <a:lumOff val="35000"/>
+      </a:schemeClr>
+    </cs:fontRef>
+    <cs:defRPr sz="1862" b="0" kern="1200" spc="0" baseline="0"/>
+  </cs:title>
+  <cs:trendline>
+    <cs:lnRef idx="0">
+      <cs:styleClr val="auto"/>
+    </cs:lnRef>
+    <cs:fillRef idx="0"/>
+    <cs:effectRef idx="0"/>
+    <cs:fontRef idx="minor">
+      <a:schemeClr val="tx1"/>
+    </cs:fontRef>
+    <cs:spPr>
+      <a:ln w="19050" cap="rnd">
+        <a:solidFill>
+          <a:schemeClr val="phClr"/>
+        </a:solidFill>
+        <a:prstDash val="sysDot"/>
+      </a:ln>
+    </cs:spPr>
+  </cs:trendline>
+  <cs:trendlineLabel>
+    <cs:lnRef idx="0"/>
+    <cs:fillRef idx="0"/>
+    <cs:effectRef idx="0"/>
+    <cs:fontRef idx="minor">
+      <a:schemeClr val="tx1">
+        <a:lumMod val="65000"/>
+        <a:lumOff val="35000"/>
+      </a:schemeClr>
+    </cs:fontRef>
+    <cs:defRPr sz="1197" kern="1200"/>
+  </cs:trendlineLabel>
+  <cs:upBar>
+    <cs:lnRef idx="0"/>
+    <cs:fillRef idx="0"/>
+    <cs:effectRef idx="0"/>
+    <cs:fontRef idx="minor">
+      <a:schemeClr val="tx1"/>
+    </cs:fontRef>
+    <cs:spPr>
+      <a:solidFill>
+        <a:schemeClr val="lt1"/>
+      </a:solidFill>
+      <a:ln w="9525" cap="flat" cmpd="sng" algn="ctr">
+        <a:solidFill>
+          <a:schemeClr val="tx1">
+            <a:lumMod val="65000"/>
+            <a:lumOff val="35000"/>
+          </a:schemeClr>
+        </a:solidFill>
+        <a:round/>
+      </a:ln>
+    </cs:spPr>
+  </cs:upBar>
+  <cs:valueAxis>
+    <cs:lnRef idx="0"/>
+    <cs:fillRef idx="0"/>
+    <cs:effectRef idx="0"/>
+    <cs:fontRef idx="minor">
+      <a:schemeClr val="tx1">
+        <a:lumMod val="65000"/>
+        <a:lumOff val="35000"/>
+      </a:schemeClr>
+    </cs:fontRef>
+    <cs:defRPr sz="1197" kern="1200"/>
+  </cs:valueAxis>
+  <cs:wall>
+    <cs:lnRef idx="0"/>
+    <cs:fillRef idx="0"/>
+    <cs:effectRef idx="0"/>
+    <cs:fontRef idx="minor">
+      <a:schemeClr val="tx1"/>
+    </cs:fontRef>
+    <cs:spPr>
+      <a:noFill/>
+      <a:ln>
+        <a:noFill/>
+      </a:ln>
+    </cs:spPr>
   </cs:wall>
 </cs:chartStyle>
 </file>
@@ -1556,7 +3793,7 @@
           <a:p>
             <a:fld id="{24CBF237-4B1B-4BC2-8A22-8624CB2A6AFF}" type="datetimeFigureOut">
               <a:rPr lang="en-US" smtClean="0"/>
-              <a:t>3/11/2022</a:t>
+              <a:t>3/14/2022</a:t>
             </a:fld>
             <a:endParaRPr lang="en-US"/>
           </a:p>
@@ -1837,7 +4074,7 @@
           <a:p>
             <a:fld id="{24CBF237-4B1B-4BC2-8A22-8624CB2A6AFF}" type="datetimeFigureOut">
               <a:rPr lang="en-US" smtClean="0"/>
-              <a:t>3/11/2022</a:t>
+              <a:t>3/14/2022</a:t>
             </a:fld>
             <a:endParaRPr lang="en-US"/>
           </a:p>
@@ -2029,7 +4266,7 @@
           <a:p>
             <a:fld id="{24CBF237-4B1B-4BC2-8A22-8624CB2A6AFF}" type="datetimeFigureOut">
               <a:rPr lang="en-US" smtClean="0"/>
-              <a:t>3/11/2022</a:t>
+              <a:t>3/14/2022</a:t>
             </a:fld>
             <a:endParaRPr lang="en-US"/>
           </a:p>
@@ -2290,7 +4527,7 @@
           <a:p>
             <a:fld id="{24CBF237-4B1B-4BC2-8A22-8624CB2A6AFF}" type="datetimeFigureOut">
               <a:rPr lang="en-US" smtClean="0"/>
-              <a:t>3/11/2022</a:t>
+              <a:t>3/14/2022</a:t>
             </a:fld>
             <a:endParaRPr lang="en-US"/>
           </a:p>
@@ -2716,7 +4953,7 @@
           <a:p>
             <a:fld id="{24CBF237-4B1B-4BC2-8A22-8624CB2A6AFF}" type="datetimeFigureOut">
               <a:rPr lang="en-US" smtClean="0"/>
-              <a:t>3/11/2022</a:t>
+              <a:t>3/14/2022</a:t>
             </a:fld>
             <a:endParaRPr lang="en-US"/>
           </a:p>
@@ -3262,7 +5499,7 @@
           <a:p>
             <a:fld id="{24CBF237-4B1B-4BC2-8A22-8624CB2A6AFF}" type="datetimeFigureOut">
               <a:rPr lang="en-US" smtClean="0"/>
-              <a:t>3/11/2022</a:t>
+              <a:t>3/14/2022</a:t>
             </a:fld>
             <a:endParaRPr lang="en-US"/>
           </a:p>
@@ -4093,7 +6330,7 @@
           <a:p>
             <a:fld id="{24CBF237-4B1B-4BC2-8A22-8624CB2A6AFF}" type="datetimeFigureOut">
               <a:rPr lang="en-US" smtClean="0"/>
-              <a:t>3/11/2022</a:t>
+              <a:t>3/14/2022</a:t>
             </a:fld>
             <a:endParaRPr lang="en-US"/>
           </a:p>
@@ -4263,7 +6500,7 @@
           <a:p>
             <a:fld id="{24CBF237-4B1B-4BC2-8A22-8624CB2A6AFF}" type="datetimeFigureOut">
               <a:rPr lang="en-US" smtClean="0"/>
-              <a:t>3/11/2022</a:t>
+              <a:t>3/14/2022</a:t>
             </a:fld>
             <a:endParaRPr lang="en-US"/>
           </a:p>
@@ -4443,7 +6680,7 @@
           <a:p>
             <a:fld id="{24CBF237-4B1B-4BC2-8A22-8624CB2A6AFF}" type="datetimeFigureOut">
               <a:rPr lang="en-US" smtClean="0"/>
-              <a:t>3/11/2022</a:t>
+              <a:t>3/14/2022</a:t>
             </a:fld>
             <a:endParaRPr lang="en-US"/>
           </a:p>
@@ -4613,7 +6850,7 @@
           <a:p>
             <a:fld id="{24CBF237-4B1B-4BC2-8A22-8624CB2A6AFF}" type="datetimeFigureOut">
               <a:rPr lang="en-US" smtClean="0"/>
-              <a:t>3/11/2022</a:t>
+              <a:t>3/14/2022</a:t>
             </a:fld>
             <a:endParaRPr lang="en-US"/>
           </a:p>
@@ -4870,7 +7107,7 @@
           <a:p>
             <a:fld id="{24CBF237-4B1B-4BC2-8A22-8624CB2A6AFF}" type="datetimeFigureOut">
               <a:rPr lang="en-US" smtClean="0"/>
-              <a:t>3/11/2022</a:t>
+              <a:t>3/14/2022</a:t>
             </a:fld>
             <a:endParaRPr lang="en-US"/>
           </a:p>
@@ -5102,7 +7339,7 @@
           <a:p>
             <a:fld id="{24CBF237-4B1B-4BC2-8A22-8624CB2A6AFF}" type="datetimeFigureOut">
               <a:rPr lang="en-US" smtClean="0"/>
-              <a:t>3/11/2022</a:t>
+              <a:t>3/14/2022</a:t>
             </a:fld>
             <a:endParaRPr lang="en-US"/>
           </a:p>
@@ -5495,7 +7732,7 @@
           <a:p>
             <a:fld id="{24CBF237-4B1B-4BC2-8A22-8624CB2A6AFF}" type="datetimeFigureOut">
               <a:rPr lang="en-US" smtClean="0"/>
-              <a:t>3/11/2022</a:t>
+              <a:t>3/14/2022</a:t>
             </a:fld>
             <a:endParaRPr lang="en-US"/>
           </a:p>
@@ -5613,7 +7850,7 @@
           <a:p>
             <a:fld id="{24CBF237-4B1B-4BC2-8A22-8624CB2A6AFF}" type="datetimeFigureOut">
               <a:rPr lang="en-US" smtClean="0"/>
-              <a:t>3/11/2022</a:t>
+              <a:t>3/14/2022</a:t>
             </a:fld>
             <a:endParaRPr lang="en-US"/>
           </a:p>
@@ -5708,7 +7945,7 @@
           <a:p>
             <a:fld id="{24CBF237-4B1B-4BC2-8A22-8624CB2A6AFF}" type="datetimeFigureOut">
               <a:rPr lang="en-US" smtClean="0"/>
-              <a:t>3/11/2022</a:t>
+              <a:t>3/14/2022</a:t>
             </a:fld>
             <a:endParaRPr lang="en-US"/>
           </a:p>
@@ -5981,7 +8218,7 @@
           <a:p>
             <a:fld id="{24CBF237-4B1B-4BC2-8A22-8624CB2A6AFF}" type="datetimeFigureOut">
               <a:rPr lang="en-US" smtClean="0"/>
-              <a:t>3/11/2022</a:t>
+              <a:t>3/14/2022</a:t>
             </a:fld>
             <a:endParaRPr lang="en-US"/>
           </a:p>
@@ -6262,7 +8499,7 @@
           <a:p>
             <a:fld id="{24CBF237-4B1B-4BC2-8A22-8624CB2A6AFF}" type="datetimeFigureOut">
               <a:rPr lang="en-US" smtClean="0"/>
-              <a:t>3/11/2022</a:t>
+              <a:t>3/14/2022</a:t>
             </a:fld>
             <a:endParaRPr lang="en-US"/>
           </a:p>
@@ -6502,7 +8739,7 @@
           <a:p>
             <a:fld id="{24CBF237-4B1B-4BC2-8A22-8624CB2A6AFF}" type="datetimeFigureOut">
               <a:rPr lang="en-US" smtClean="0"/>
-              <a:t>3/11/2022</a:t>
+              <a:t>3/14/2022</a:t>
             </a:fld>
             <a:endParaRPr lang="en-US"/>
           </a:p>
@@ -7168,6 +9405,9 @@
   <p:clrMapOvr>
     <a:masterClrMapping/>
   </p:clrMapOvr>
+  <p:transition spd="slow">
+    <p:wipe/>
+  </p:transition>
 </p:sld>
 </file>
 
@@ -7267,7 +9507,7 @@
           <a:p>
             <a:r>
               <a:rPr lang="en-US" dirty="0"/>
-              <a:t>Insertion Sort</a:t>
+              <a:t>Insertion Sort </a:t>
             </a:r>
           </a:p>
           <a:p>
@@ -7291,6 +9531,9 @@
   <p:clrMapOvr>
     <a:masterClrMapping/>
   </p:clrMapOvr>
+  <p:transition spd="slow">
+    <p:wipe/>
+  </p:transition>
 </p:sld>
 </file>
 
@@ -7334,7 +9577,15 @@
           <a:p>
             <a:r>
               <a:rPr lang="en-US" dirty="0"/>
-              <a:t>N = 10000 </a:t>
+              <a:t>N = 10.000, sir </a:t>
+            </a:r>
+            <a:r>
+              <a:rPr lang="en-US" dirty="0" err="1"/>
+              <a:t>generat</a:t>
+            </a:r>
+            <a:r>
+              <a:rPr lang="en-US" dirty="0"/>
+              <a:t> random</a:t>
             </a:r>
           </a:p>
         </p:txBody>
@@ -7355,7 +9606,7 @@
             <p:ph idx="1"/>
             <p:extLst>
               <p:ext uri="{D42A27DB-BD31-4B8C-83A1-F6EECF244321}">
-                <p14:modId xmlns:p14="http://schemas.microsoft.com/office/powerpoint/2010/main" val="4273899462"/>
+                <p14:modId xmlns:p14="http://schemas.microsoft.com/office/powerpoint/2010/main" val="395082617"/>
               </p:ext>
             </p:extLst>
           </p:nvPr>
@@ -7380,6 +9631,9 @@
   <p:clrMapOvr>
     <a:masterClrMapping/>
   </p:clrMapOvr>
+  <p:transition spd="slow">
+    <p:wipe/>
+  </p:transition>
 </p:sld>
 </file>
 
@@ -7405,7 +9659,7 @@
           <p:cNvPr id="2" name="Title 1">
             <a:extLst>
               <a:ext uri="{FF2B5EF4-FFF2-40B4-BE49-F238E27FC236}">
-                <a16:creationId xmlns:a16="http://schemas.microsoft.com/office/drawing/2014/main" id="{96EE59F2-6CB3-44F9-8C74-EA2D8464555C}"/>
+                <a16:creationId xmlns:a16="http://schemas.microsoft.com/office/drawing/2014/main" id="{590439D3-E0E2-41A5-89F3-1B2F914AF010}"/>
               </a:ext>
             </a:extLst>
           </p:cNvPr>
@@ -7418,88 +9672,65 @@
         </p:nvSpPr>
         <p:spPr/>
         <p:txBody>
-          <a:bodyPr/>
+          <a:bodyPr>
+            <a:normAutofit fontScale="90000"/>
+          </a:bodyPr>
           <a:lstStyle/>
           <a:p>
+            <a:r>
+              <a:rPr lang="en-US" dirty="0"/>
+              <a:t>N = 100.000 sir </a:t>
+            </a:r>
+            <a:r>
+              <a:rPr lang="en-US" dirty="0" err="1"/>
+              <a:t>generat</a:t>
+            </a:r>
+            <a:r>
+              <a:rPr lang="en-US" dirty="0"/>
+              <a:t> random</a:t>
+            </a:r>
+            <a:br>
+              <a:rPr lang="en-US" dirty="0"/>
+            </a:br>
             <a:endParaRPr lang="en-US" dirty="0"/>
           </a:p>
         </p:txBody>
       </p:sp>
-      <p:pic>
-        <p:nvPicPr>
-          <p:cNvPr id="5" name="Content Placeholder 4">
+      <p:graphicFrame>
+        <p:nvGraphicFramePr>
+          <p:cNvPr id="4" name="Content Placeholder 10">
             <a:extLst>
               <a:ext uri="{FF2B5EF4-FFF2-40B4-BE49-F238E27FC236}">
-                <a16:creationId xmlns:a16="http://schemas.microsoft.com/office/drawing/2014/main" id="{D461FFBE-7F38-4766-8F42-A84A08E52051}"/>
+                <a16:creationId xmlns:a16="http://schemas.microsoft.com/office/drawing/2014/main" id="{361F3651-C8F5-4630-B556-F1AC6CBD553A}"/>
               </a:ext>
             </a:extLst>
           </p:cNvPr>
-          <p:cNvPicPr>
-            <a:picLocks noGrp="1" noChangeAspect="1"/>
-          </p:cNvPicPr>
+          <p:cNvGraphicFramePr>
+            <a:graphicFrameLocks noGrp="1"/>
+          </p:cNvGraphicFramePr>
           <p:nvPr>
             <p:ph idx="1"/>
-          </p:nvPr>
-        </p:nvPicPr>
-        <p:blipFill>
-          <a:blip r:embed="rId2">
-            <a:extLst>
-              <a:ext uri="{28A0092B-C50C-407E-A947-70E740481C1C}">
-                <a14:useLocalDpi xmlns:a14="http://schemas.microsoft.com/office/drawing/2010/main" val="0"/>
-              </a:ext>
-            </a:extLst>
-          </a:blip>
-          <a:stretch>
-            <a:fillRect/>
-          </a:stretch>
-        </p:blipFill>
-        <p:spPr>
-          <a:xfrm>
-            <a:off x="469194" y="1776413"/>
-            <a:ext cx="4577644" cy="2574925"/>
-          </a:xfrm>
-        </p:spPr>
-      </p:pic>
-      <p:pic>
-        <p:nvPicPr>
-          <p:cNvPr id="7" name="Picture 6">
-            <a:extLst>
-              <a:ext uri="{FF2B5EF4-FFF2-40B4-BE49-F238E27FC236}">
-                <a16:creationId xmlns:a16="http://schemas.microsoft.com/office/drawing/2014/main" id="{597FC2D3-D9CF-426E-A05F-443BA9313B14}"/>
-              </a:ext>
-            </a:extLst>
-          </p:cNvPr>
-          <p:cNvPicPr>
-            <a:picLocks noChangeAspect="1"/>
-          </p:cNvPicPr>
-          <p:nvPr/>
-        </p:nvPicPr>
-        <p:blipFill>
-          <a:blip r:embed="rId3">
-            <a:extLst>
-              <a:ext uri="{28A0092B-C50C-407E-A947-70E740481C1C}">
-                <a14:useLocalDpi xmlns:a14="http://schemas.microsoft.com/office/drawing/2010/main" val="0"/>
-              </a:ext>
-            </a:extLst>
-          </a:blip>
-          <a:stretch>
-            <a:fillRect/>
-          </a:stretch>
-        </p:blipFill>
-        <p:spPr>
-          <a:xfrm>
-            <a:off x="6713538" y="1920875"/>
-            <a:ext cx="4064000" cy="2286000"/>
-          </a:xfrm>
-          <a:prstGeom prst="rect">
-            <a:avLst/>
-          </a:prstGeom>
-        </p:spPr>
-      </p:pic>
+            <p:extLst>
+              <p:ext uri="{D42A27DB-BD31-4B8C-83A1-F6EECF244321}">
+                <p14:modId xmlns:p14="http://schemas.microsoft.com/office/powerpoint/2010/main" val="3868963802"/>
+              </p:ext>
+            </p:extLst>
+          </p:nvPr>
+        </p:nvGraphicFramePr>
+        <p:xfrm>
+          <a:off x="1120775" y="1825625"/>
+          <a:ext cx="10233025" cy="4351338"/>
+        </p:xfrm>
+        <a:graphic>
+          <a:graphicData uri="http://schemas.openxmlformats.org/drawingml/2006/chart">
+            <c:chart xmlns:c="http://schemas.openxmlformats.org/drawingml/2006/chart" xmlns:r="http://schemas.openxmlformats.org/officeDocument/2006/relationships" r:id="rId2"/>
+          </a:graphicData>
+        </a:graphic>
+      </p:graphicFrame>
     </p:spTree>
     <p:extLst>
       <p:ext uri="{BB962C8B-B14F-4D97-AF65-F5344CB8AC3E}">
-        <p14:creationId xmlns:p14="http://schemas.microsoft.com/office/powerpoint/2010/main" val="2345137077"/>
+        <p14:creationId xmlns:p14="http://schemas.microsoft.com/office/powerpoint/2010/main" val="1465773141"/>
       </p:ext>
     </p:extLst>
   </p:cSld>

--- a/Sortari.pptx
+++ b/Sortari.pptx
@@ -1539,9 +1539,9 @@
           </c:dLbls>
           <c:cat>
             <c:strRef>
-              <c:f>Sheet1!$A$2:$A$8</c:f>
+              <c:f>Sheet1!$A$2:$A$9</c:f>
               <c:strCache>
-                <c:ptCount val="6"/>
+                <c:ptCount val="8"/>
                 <c:pt idx="0">
                   <c:v>Merge Sort</c:v>
                 </c:pt>
@@ -1559,33 +1559,45 @@
                 </c:pt>
                 <c:pt idx="5">
                   <c:v> Shell Sort</c:v>
+                </c:pt>
+                <c:pt idx="6">
+                  <c:v>Couting Sort</c:v>
+                </c:pt>
+                <c:pt idx="7">
+                  <c:v>Python Sort</c:v>
                 </c:pt>
               </c:strCache>
             </c:strRef>
           </c:cat>
           <c:val>
             <c:numRef>
-              <c:f>Sheet1!$B$2:$B$8</c:f>
+              <c:f>Sheet1!$B$2:$B$9</c:f>
               <c:numCache>
                 <c:formatCode>General</c:formatCode>
-                <c:ptCount val="7"/>
+                <c:ptCount val="8"/>
                 <c:pt idx="0">
-                  <c:v>7.0000000000000007E-2</c:v>
+                  <c:v>0.38</c:v>
                 </c:pt>
                 <c:pt idx="1">
-                  <c:v>5.0000000000000001E-3</c:v>
+                  <c:v>0.04</c:v>
                 </c:pt>
                 <c:pt idx="2">
-                  <c:v>4.1000000000000002E-2</c:v>
+                  <c:v>0.6</c:v>
                 </c:pt>
                 <c:pt idx="3">
-                  <c:v>2.7</c:v>
+                  <c:v>283.55</c:v>
                 </c:pt>
                 <c:pt idx="4">
-                  <c:v>5.98</c:v>
+                  <c:v>724.41</c:v>
                 </c:pt>
                 <c:pt idx="5">
-                  <c:v>1.4999999999999999E-2</c:v>
+                  <c:v>0.27</c:v>
+                </c:pt>
+                <c:pt idx="6">
+                  <c:v>2.1000000000000001E-2</c:v>
+                </c:pt>
+                <c:pt idx="7">
+                  <c:v>0</c:v>
                 </c:pt>
               </c:numCache>
             </c:numRef>
@@ -1680,9 +1692,9 @@
           </c:dLbls>
           <c:cat>
             <c:strRef>
-              <c:f>Sheet1!$A$2:$A$8</c:f>
+              <c:f>Sheet1!$A$2:$A$9</c:f>
               <c:strCache>
-                <c:ptCount val="6"/>
+                <c:ptCount val="8"/>
                 <c:pt idx="0">
                   <c:v>Merge Sort</c:v>
                 </c:pt>
@@ -1700,33 +1712,45 @@
                 </c:pt>
                 <c:pt idx="5">
                   <c:v> Shell Sort</c:v>
+                </c:pt>
+                <c:pt idx="6">
+                  <c:v>Couting Sort</c:v>
+                </c:pt>
+                <c:pt idx="7">
+                  <c:v>Python Sort</c:v>
                 </c:pt>
               </c:strCache>
             </c:strRef>
           </c:cat>
           <c:val>
             <c:numRef>
-              <c:f>Sheet1!$C$2:$C$8</c:f>
+              <c:f>Sheet1!$C$2:$C$9</c:f>
               <c:numCache>
                 <c:formatCode>General</c:formatCode>
-                <c:ptCount val="7"/>
+                <c:ptCount val="8"/>
                 <c:pt idx="0">
+                  <c:v>0.48</c:v>
+                </c:pt>
+                <c:pt idx="1">
+                  <c:v>8.5000000000000006E-2</c:v>
+                </c:pt>
+                <c:pt idx="2">
+                  <c:v>0.73</c:v>
+                </c:pt>
+                <c:pt idx="3">
+                  <c:v>320.26</c:v>
+                </c:pt>
+                <c:pt idx="4">
+                  <c:v>735.3</c:v>
+                </c:pt>
+                <c:pt idx="5">
+                  <c:v>0.45</c:v>
+                </c:pt>
+                <c:pt idx="6">
                   <c:v>0.03</c:v>
                 </c:pt>
-                <c:pt idx="1">
-                  <c:v>0</c:v>
-                </c:pt>
-                <c:pt idx="2">
-                  <c:v>0.05</c:v>
-                </c:pt>
-                <c:pt idx="3">
-                  <c:v>2.88</c:v>
-                </c:pt>
-                <c:pt idx="4">
-                  <c:v>6.6</c:v>
-                </c:pt>
-                <c:pt idx="5">
-                  <c:v>0.02</c:v>
+                <c:pt idx="7">
+                  <c:v>1.2999999999999999E-2</c:v>
                 </c:pt>
               </c:numCache>
             </c:numRef>
@@ -1821,9 +1845,9 @@
           </c:dLbls>
           <c:cat>
             <c:strRef>
-              <c:f>Sheet1!$A$2:$A$8</c:f>
+              <c:f>Sheet1!$A$2:$A$9</c:f>
               <c:strCache>
-                <c:ptCount val="6"/>
+                <c:ptCount val="8"/>
                 <c:pt idx="0">
                   <c:v>Merge Sort</c:v>
                 </c:pt>
@@ -1841,33 +1865,45 @@
                 </c:pt>
                 <c:pt idx="5">
                   <c:v> Shell Sort</c:v>
+                </c:pt>
+                <c:pt idx="6">
+                  <c:v>Couting Sort</c:v>
+                </c:pt>
+                <c:pt idx="7">
+                  <c:v>Python Sort</c:v>
                 </c:pt>
               </c:strCache>
             </c:strRef>
           </c:cat>
           <c:val>
             <c:numRef>
-              <c:f>Sheet1!$D$2:$D$8</c:f>
+              <c:f>Sheet1!$D$2:$D$9</c:f>
               <c:numCache>
                 <c:formatCode>General</c:formatCode>
-                <c:ptCount val="7"/>
+                <c:ptCount val="8"/>
                 <c:pt idx="0">
-                  <c:v>0.02</c:v>
+                  <c:v>0.5</c:v>
                 </c:pt>
                 <c:pt idx="1">
-                  <c:v>1.6E-2</c:v>
+                  <c:v>0.15</c:v>
                 </c:pt>
                 <c:pt idx="2">
-                  <c:v>4.7E-2</c:v>
+                  <c:v>0.69</c:v>
                 </c:pt>
                 <c:pt idx="3">
-                  <c:v>3.46</c:v>
+                  <c:v>360.34</c:v>
                 </c:pt>
                 <c:pt idx="4">
-                  <c:v>11.18</c:v>
+                  <c:v>806.77</c:v>
                 </c:pt>
                 <c:pt idx="5">
-                  <c:v>0.06</c:v>
+                  <c:v>0.66</c:v>
+                </c:pt>
+                <c:pt idx="6">
+                  <c:v>0.01</c:v>
+                </c:pt>
+                <c:pt idx="7">
+                  <c:v>0.01</c:v>
                 </c:pt>
               </c:numCache>
             </c:numRef>
@@ -1962,9 +1998,9 @@
           </c:dLbls>
           <c:cat>
             <c:strRef>
-              <c:f>Sheet1!$A$2:$A$8</c:f>
+              <c:f>Sheet1!$A$2:$A$9</c:f>
               <c:strCache>
-                <c:ptCount val="6"/>
+                <c:ptCount val="8"/>
                 <c:pt idx="0">
                   <c:v>Merge Sort</c:v>
                 </c:pt>
@@ -1982,33 +2018,45 @@
                 </c:pt>
                 <c:pt idx="5">
                   <c:v> Shell Sort</c:v>
+                </c:pt>
+                <c:pt idx="6">
+                  <c:v>Couting Sort</c:v>
+                </c:pt>
+                <c:pt idx="7">
+                  <c:v>Python Sort</c:v>
                 </c:pt>
               </c:strCache>
             </c:strRef>
           </c:cat>
           <c:val>
             <c:numRef>
-              <c:f>Sheet1!$E$2:$E$8</c:f>
+              <c:f>Sheet1!$E$2:$E$9</c:f>
               <c:numCache>
                 <c:formatCode>General</c:formatCode>
-                <c:ptCount val="7"/>
+                <c:ptCount val="8"/>
                 <c:pt idx="0">
-                  <c:v>0.04</c:v>
+                  <c:v>0.53</c:v>
                 </c:pt>
                 <c:pt idx="1">
-                  <c:v>1.6E-2</c:v>
+                  <c:v>0.22</c:v>
                 </c:pt>
                 <c:pt idx="2">
-                  <c:v>0.06</c:v>
+                  <c:v>0.72</c:v>
                 </c:pt>
                 <c:pt idx="3">
-                  <c:v>3.14</c:v>
+                  <c:v>350.09</c:v>
                 </c:pt>
                 <c:pt idx="4">
-                  <c:v>6.79</c:v>
+                  <c:v>763.88</c:v>
                 </c:pt>
                 <c:pt idx="5">
-                  <c:v>0.04</c:v>
+                  <c:v>0.79</c:v>
+                </c:pt>
+                <c:pt idx="6">
+                  <c:v>0.03</c:v>
+                </c:pt>
+                <c:pt idx="7">
+                  <c:v>0.01</c:v>
                 </c:pt>
               </c:numCache>
             </c:numRef>
@@ -2103,9 +2151,9 @@
           </c:dLbls>
           <c:cat>
             <c:strRef>
-              <c:f>Sheet1!$A$2:$A$8</c:f>
+              <c:f>Sheet1!$A$2:$A$9</c:f>
               <c:strCache>
-                <c:ptCount val="6"/>
+                <c:ptCount val="8"/>
                 <c:pt idx="0">
                   <c:v>Merge Sort</c:v>
                 </c:pt>
@@ -2123,33 +2171,45 @@
                 </c:pt>
                 <c:pt idx="5">
                   <c:v> Shell Sort</c:v>
+                </c:pt>
+                <c:pt idx="6">
+                  <c:v>Couting Sort</c:v>
+                </c:pt>
+                <c:pt idx="7">
+                  <c:v>Python Sort</c:v>
                 </c:pt>
               </c:strCache>
             </c:strRef>
           </c:cat>
           <c:val>
             <c:numRef>
-              <c:f>Sheet1!$F$2:$F$8</c:f>
+              <c:f>Sheet1!$F$2:$F$9</c:f>
               <c:numCache>
                 <c:formatCode>General</c:formatCode>
-                <c:ptCount val="7"/>
+                <c:ptCount val="8"/>
                 <c:pt idx="0">
-                  <c:v>3.3000000000000002E-2</c:v>
+                  <c:v>0.47</c:v>
                 </c:pt>
                 <c:pt idx="1">
-                  <c:v>3.3000000000000002E-2</c:v>
+                  <c:v>0.21</c:v>
                 </c:pt>
                 <c:pt idx="2">
-                  <c:v>0.04</c:v>
+                  <c:v>0.78</c:v>
                 </c:pt>
                 <c:pt idx="3">
-                  <c:v>3.05</c:v>
+                  <c:v>361.84</c:v>
                 </c:pt>
                 <c:pt idx="4">
-                  <c:v>6.97</c:v>
+                  <c:v>1079.83</c:v>
                 </c:pt>
                 <c:pt idx="5">
-                  <c:v>4.5999999999999999E-2</c:v>
+                  <c:v>1.3</c:v>
+                </c:pt>
+                <c:pt idx="6">
+                  <c:v>7.0000000000000007E-2</c:v>
+                </c:pt>
+                <c:pt idx="7">
+                  <c:v>0.03</c:v>
                 </c:pt>
               </c:numCache>
             </c:numRef>
@@ -2244,9 +2304,9 @@
           </c:dLbls>
           <c:cat>
             <c:strRef>
-              <c:f>Sheet1!$A$2:$A$8</c:f>
+              <c:f>Sheet1!$A$2:$A$9</c:f>
               <c:strCache>
-                <c:ptCount val="6"/>
+                <c:ptCount val="8"/>
                 <c:pt idx="0">
                   <c:v>Merge Sort</c:v>
                 </c:pt>
@@ -2264,33 +2324,45 @@
                 </c:pt>
                 <c:pt idx="5">
                   <c:v> Shell Sort</c:v>
+                </c:pt>
+                <c:pt idx="6">
+                  <c:v>Couting Sort</c:v>
+                </c:pt>
+                <c:pt idx="7">
+                  <c:v>Python Sort</c:v>
                 </c:pt>
               </c:strCache>
             </c:strRef>
           </c:cat>
           <c:val>
             <c:numRef>
-              <c:f>Sheet1!$G$2:$G$8</c:f>
+              <c:f>Sheet1!$G$2:$G$9</c:f>
               <c:numCache>
                 <c:formatCode>General</c:formatCode>
-                <c:ptCount val="7"/>
+                <c:ptCount val="8"/>
                 <c:pt idx="0">
-                  <c:v>3.5999999999999997E-2</c:v>
+                  <c:v>0.76</c:v>
                 </c:pt>
                 <c:pt idx="1">
+                  <c:v>0.52</c:v>
+                </c:pt>
+                <c:pt idx="2">
+                  <c:v>1.024</c:v>
+                </c:pt>
+                <c:pt idx="3">
+                  <c:v>479.53</c:v>
+                </c:pt>
+                <c:pt idx="4">
+                  <c:v>756.67</c:v>
+                </c:pt>
+                <c:pt idx="5">
+                  <c:v>0.77</c:v>
+                </c:pt>
+                <c:pt idx="6">
+                  <c:v>0.14000000000000001</c:v>
+                </c:pt>
+                <c:pt idx="7">
                   <c:v>0.01</c:v>
-                </c:pt>
-                <c:pt idx="2">
-                  <c:v>0.04</c:v>
-                </c:pt>
-                <c:pt idx="3">
-                  <c:v>3.125</c:v>
-                </c:pt>
-                <c:pt idx="4">
-                  <c:v>6.88</c:v>
-                </c:pt>
-                <c:pt idx="5">
-                  <c:v>3.1E-2</c:v>
                 </c:pt>
               </c:numCache>
             </c:numRef>
@@ -9517,6 +9589,18 @@
             </a:r>
           </a:p>
           <a:p>
+            <a:r>
+              <a:rPr lang="en-US" dirty="0"/>
+              <a:t>Shell Sort</a:t>
+            </a:r>
+          </a:p>
+          <a:p>
+            <a:r>
+              <a:rPr lang="en-US" dirty="0"/>
+              <a:t>Counting Sort</a:t>
+            </a:r>
+          </a:p>
+          <a:p>
             <a:endParaRPr lang="en-US" dirty="0"/>
           </a:p>
         </p:txBody>
@@ -9712,7 +9796,7 @@
             <p:ph idx="1"/>
             <p:extLst>
               <p:ext uri="{D42A27DB-BD31-4B8C-83A1-F6EECF244321}">
-                <p14:modId xmlns:p14="http://schemas.microsoft.com/office/powerpoint/2010/main" val="3868963802"/>
+                <p14:modId xmlns:p14="http://schemas.microsoft.com/office/powerpoint/2010/main" val="2991315382"/>
               </p:ext>
             </p:extLst>
           </p:nvPr>
